--- a/포스터 초안.pptx
+++ b/포스터 초안.pptx
@@ -154,7 +154,7 @@
           </a:lstStyle>
           <a:p>
             <a:r>
-              <a:rPr lang="ko-KR" altLang="en-US" smtClean="0"/>
+              <a:rPr lang="ko-KR" altLang="en-US"/>
               <a:t>마스터 제목 스타일 편집</a:t>
             </a:r>
             <a:endParaRPr lang="en-US" dirty="0"/>
@@ -219,7 +219,7 @@
           </a:lstStyle>
           <a:p>
             <a:r>
-              <a:rPr lang="ko-KR" altLang="en-US" smtClean="0"/>
+              <a:rPr lang="ko-KR" altLang="en-US"/>
               <a:t>클릭하여 마스터 부제목 스타일 편집</a:t>
             </a:r>
             <a:endParaRPr lang="en-US" dirty="0"/>
@@ -243,7 +243,7 @@
           <a:p>
             <a:fld id="{512D1E97-4763-4D18-8F4B-4468036B0578}" type="datetimeFigureOut">
               <a:rPr lang="ko-KR" altLang="en-US" smtClean="0"/>
-              <a:t>2020-08-22</a:t>
+              <a:t>2020-08-23</a:t>
             </a:fld>
             <a:endParaRPr lang="ko-KR" altLang="en-US"/>
           </a:p>
@@ -337,7 +337,7 @@
           <a:lstStyle/>
           <a:p>
             <a:r>
-              <a:rPr lang="ko-KR" altLang="en-US" smtClean="0"/>
+              <a:rPr lang="ko-KR" altLang="en-US"/>
               <a:t>마스터 제목 스타일 편집</a:t>
             </a:r>
             <a:endParaRPr lang="en-US" dirty="0"/>
@@ -361,35 +361,35 @@
           <a:p>
             <a:pPr lvl="0"/>
             <a:r>
-              <a:rPr lang="ko-KR" altLang="en-US" smtClean="0"/>
+              <a:rPr lang="ko-KR" altLang="en-US"/>
               <a:t>마스터 텍스트 스타일 편집</a:t>
             </a:r>
           </a:p>
           <a:p>
             <a:pPr lvl="1"/>
             <a:r>
-              <a:rPr lang="ko-KR" altLang="en-US" smtClean="0"/>
+              <a:rPr lang="ko-KR" altLang="en-US"/>
               <a:t>둘째 수준</a:t>
             </a:r>
           </a:p>
           <a:p>
             <a:pPr lvl="2"/>
             <a:r>
-              <a:rPr lang="ko-KR" altLang="en-US" smtClean="0"/>
+              <a:rPr lang="ko-KR" altLang="en-US"/>
               <a:t>셋째 수준</a:t>
             </a:r>
           </a:p>
           <a:p>
             <a:pPr lvl="3"/>
             <a:r>
-              <a:rPr lang="ko-KR" altLang="en-US" smtClean="0"/>
+              <a:rPr lang="ko-KR" altLang="en-US"/>
               <a:t>넷째 수준</a:t>
             </a:r>
           </a:p>
           <a:p>
             <a:pPr lvl="4"/>
             <a:r>
-              <a:rPr lang="ko-KR" altLang="en-US" smtClean="0"/>
+              <a:rPr lang="ko-KR" altLang="en-US"/>
               <a:t>다섯째 수준</a:t>
             </a:r>
             <a:endParaRPr lang="en-US" dirty="0"/>
@@ -413,7 +413,7 @@
           <a:p>
             <a:fld id="{512D1E97-4763-4D18-8F4B-4468036B0578}" type="datetimeFigureOut">
               <a:rPr lang="ko-KR" altLang="en-US" smtClean="0"/>
-              <a:t>2020-08-22</a:t>
+              <a:t>2020-08-23</a:t>
             </a:fld>
             <a:endParaRPr lang="ko-KR" altLang="en-US"/>
           </a:p>
@@ -512,7 +512,7 @@
           <a:lstStyle/>
           <a:p>
             <a:r>
-              <a:rPr lang="ko-KR" altLang="en-US" smtClean="0"/>
+              <a:rPr lang="ko-KR" altLang="en-US"/>
               <a:t>마스터 제목 스타일 편집</a:t>
             </a:r>
             <a:endParaRPr lang="en-US" dirty="0"/>
@@ -541,35 +541,35 @@
           <a:p>
             <a:pPr lvl="0"/>
             <a:r>
-              <a:rPr lang="ko-KR" altLang="en-US" smtClean="0"/>
+              <a:rPr lang="ko-KR" altLang="en-US"/>
               <a:t>마스터 텍스트 스타일 편집</a:t>
             </a:r>
           </a:p>
           <a:p>
             <a:pPr lvl="1"/>
             <a:r>
-              <a:rPr lang="ko-KR" altLang="en-US" smtClean="0"/>
+              <a:rPr lang="ko-KR" altLang="en-US"/>
               <a:t>둘째 수준</a:t>
             </a:r>
           </a:p>
           <a:p>
             <a:pPr lvl="2"/>
             <a:r>
-              <a:rPr lang="ko-KR" altLang="en-US" smtClean="0"/>
+              <a:rPr lang="ko-KR" altLang="en-US"/>
               <a:t>셋째 수준</a:t>
             </a:r>
           </a:p>
           <a:p>
             <a:pPr lvl="3"/>
             <a:r>
-              <a:rPr lang="ko-KR" altLang="en-US" smtClean="0"/>
+              <a:rPr lang="ko-KR" altLang="en-US"/>
               <a:t>넷째 수준</a:t>
             </a:r>
           </a:p>
           <a:p>
             <a:pPr lvl="4"/>
             <a:r>
-              <a:rPr lang="ko-KR" altLang="en-US" smtClean="0"/>
+              <a:rPr lang="ko-KR" altLang="en-US"/>
               <a:t>다섯째 수준</a:t>
             </a:r>
             <a:endParaRPr lang="en-US" dirty="0"/>
@@ -593,7 +593,7 @@
           <a:p>
             <a:fld id="{512D1E97-4763-4D18-8F4B-4468036B0578}" type="datetimeFigureOut">
               <a:rPr lang="ko-KR" altLang="en-US" smtClean="0"/>
-              <a:t>2020-08-22</a:t>
+              <a:t>2020-08-23</a:t>
             </a:fld>
             <a:endParaRPr lang="ko-KR" altLang="en-US"/>
           </a:p>
@@ -687,7 +687,7 @@
           <a:lstStyle/>
           <a:p>
             <a:r>
-              <a:rPr lang="ko-KR" altLang="en-US" smtClean="0"/>
+              <a:rPr lang="ko-KR" altLang="en-US"/>
               <a:t>마스터 제목 스타일 편집</a:t>
             </a:r>
             <a:endParaRPr lang="en-US" dirty="0"/>
@@ -711,35 +711,35 @@
           <a:p>
             <a:pPr lvl="0"/>
             <a:r>
-              <a:rPr lang="ko-KR" altLang="en-US" smtClean="0"/>
+              <a:rPr lang="ko-KR" altLang="en-US"/>
               <a:t>마스터 텍스트 스타일 편집</a:t>
             </a:r>
           </a:p>
           <a:p>
             <a:pPr lvl="1"/>
             <a:r>
-              <a:rPr lang="ko-KR" altLang="en-US" smtClean="0"/>
+              <a:rPr lang="ko-KR" altLang="en-US"/>
               <a:t>둘째 수준</a:t>
             </a:r>
           </a:p>
           <a:p>
             <a:pPr lvl="2"/>
             <a:r>
-              <a:rPr lang="ko-KR" altLang="en-US" smtClean="0"/>
+              <a:rPr lang="ko-KR" altLang="en-US"/>
               <a:t>셋째 수준</a:t>
             </a:r>
           </a:p>
           <a:p>
             <a:pPr lvl="3"/>
             <a:r>
-              <a:rPr lang="ko-KR" altLang="en-US" smtClean="0"/>
+              <a:rPr lang="ko-KR" altLang="en-US"/>
               <a:t>넷째 수준</a:t>
             </a:r>
           </a:p>
           <a:p>
             <a:pPr lvl="4"/>
             <a:r>
-              <a:rPr lang="ko-KR" altLang="en-US" smtClean="0"/>
+              <a:rPr lang="ko-KR" altLang="en-US"/>
               <a:t>다섯째 수준</a:t>
             </a:r>
             <a:endParaRPr lang="en-US" dirty="0"/>
@@ -763,7 +763,7 @@
           <a:p>
             <a:fld id="{512D1E97-4763-4D18-8F4B-4468036B0578}" type="datetimeFigureOut">
               <a:rPr lang="ko-KR" altLang="en-US" smtClean="0"/>
-              <a:t>2020-08-22</a:t>
+              <a:t>2020-08-23</a:t>
             </a:fld>
             <a:endParaRPr lang="ko-KR" altLang="en-US"/>
           </a:p>
@@ -866,7 +866,7 @@
           </a:lstStyle>
           <a:p>
             <a:r>
-              <a:rPr lang="ko-KR" altLang="en-US" smtClean="0"/>
+              <a:rPr lang="ko-KR" altLang="en-US"/>
               <a:t>마스터 제목 스타일 편집</a:t>
             </a:r>
             <a:endParaRPr lang="en-US" dirty="0"/>
@@ -984,7 +984,7 @@
           <a:p>
             <a:pPr lvl="0"/>
             <a:r>
-              <a:rPr lang="ko-KR" altLang="en-US" smtClean="0"/>
+              <a:rPr lang="ko-KR" altLang="en-US"/>
               <a:t>마스터 텍스트 스타일 편집</a:t>
             </a:r>
           </a:p>
@@ -1007,7 +1007,7 @@
           <a:p>
             <a:fld id="{512D1E97-4763-4D18-8F4B-4468036B0578}" type="datetimeFigureOut">
               <a:rPr lang="ko-KR" altLang="en-US" smtClean="0"/>
-              <a:t>2020-08-22</a:t>
+              <a:t>2020-08-23</a:t>
             </a:fld>
             <a:endParaRPr lang="ko-KR" altLang="en-US"/>
           </a:p>
@@ -1101,7 +1101,7 @@
           <a:lstStyle/>
           <a:p>
             <a:r>
-              <a:rPr lang="ko-KR" altLang="en-US" smtClean="0"/>
+              <a:rPr lang="ko-KR" altLang="en-US"/>
               <a:t>마스터 제목 스타일 편집</a:t>
             </a:r>
             <a:endParaRPr lang="en-US" dirty="0"/>
@@ -1130,35 +1130,35 @@
           <a:p>
             <a:pPr lvl="0"/>
             <a:r>
-              <a:rPr lang="ko-KR" altLang="en-US" smtClean="0"/>
+              <a:rPr lang="ko-KR" altLang="en-US"/>
               <a:t>마스터 텍스트 스타일 편집</a:t>
             </a:r>
           </a:p>
           <a:p>
             <a:pPr lvl="1"/>
             <a:r>
-              <a:rPr lang="ko-KR" altLang="en-US" smtClean="0"/>
+              <a:rPr lang="ko-KR" altLang="en-US"/>
               <a:t>둘째 수준</a:t>
             </a:r>
           </a:p>
           <a:p>
             <a:pPr lvl="2"/>
             <a:r>
-              <a:rPr lang="ko-KR" altLang="en-US" smtClean="0"/>
+              <a:rPr lang="ko-KR" altLang="en-US"/>
               <a:t>셋째 수준</a:t>
             </a:r>
           </a:p>
           <a:p>
             <a:pPr lvl="3"/>
             <a:r>
-              <a:rPr lang="ko-KR" altLang="en-US" smtClean="0"/>
+              <a:rPr lang="ko-KR" altLang="en-US"/>
               <a:t>넷째 수준</a:t>
             </a:r>
           </a:p>
           <a:p>
             <a:pPr lvl="4"/>
             <a:r>
-              <a:rPr lang="ko-KR" altLang="en-US" smtClean="0"/>
+              <a:rPr lang="ko-KR" altLang="en-US"/>
               <a:t>다섯째 수준</a:t>
             </a:r>
             <a:endParaRPr lang="en-US" dirty="0"/>
@@ -1187,35 +1187,35 @@
           <a:p>
             <a:pPr lvl="0"/>
             <a:r>
-              <a:rPr lang="ko-KR" altLang="en-US" smtClean="0"/>
+              <a:rPr lang="ko-KR" altLang="en-US"/>
               <a:t>마스터 텍스트 스타일 편집</a:t>
             </a:r>
           </a:p>
           <a:p>
             <a:pPr lvl="1"/>
             <a:r>
-              <a:rPr lang="ko-KR" altLang="en-US" smtClean="0"/>
+              <a:rPr lang="ko-KR" altLang="en-US"/>
               <a:t>둘째 수준</a:t>
             </a:r>
           </a:p>
           <a:p>
             <a:pPr lvl="2"/>
             <a:r>
-              <a:rPr lang="ko-KR" altLang="en-US" smtClean="0"/>
+              <a:rPr lang="ko-KR" altLang="en-US"/>
               <a:t>셋째 수준</a:t>
             </a:r>
           </a:p>
           <a:p>
             <a:pPr lvl="3"/>
             <a:r>
-              <a:rPr lang="ko-KR" altLang="en-US" smtClean="0"/>
+              <a:rPr lang="ko-KR" altLang="en-US"/>
               <a:t>넷째 수준</a:t>
             </a:r>
           </a:p>
           <a:p>
             <a:pPr lvl="4"/>
             <a:r>
-              <a:rPr lang="ko-KR" altLang="en-US" smtClean="0"/>
+              <a:rPr lang="ko-KR" altLang="en-US"/>
               <a:t>다섯째 수준</a:t>
             </a:r>
             <a:endParaRPr lang="en-US" dirty="0"/>
@@ -1239,7 +1239,7 @@
           <a:p>
             <a:fld id="{512D1E97-4763-4D18-8F4B-4468036B0578}" type="datetimeFigureOut">
               <a:rPr lang="ko-KR" altLang="en-US" smtClean="0"/>
-              <a:t>2020-08-22</a:t>
+              <a:t>2020-08-23</a:t>
             </a:fld>
             <a:endParaRPr lang="ko-KR" altLang="en-US"/>
           </a:p>
@@ -1338,7 +1338,7 @@
           <a:lstStyle/>
           <a:p>
             <a:r>
-              <a:rPr lang="ko-KR" altLang="en-US" smtClean="0"/>
+              <a:rPr lang="ko-KR" altLang="en-US"/>
               <a:t>마스터 제목 스타일 편집</a:t>
             </a:r>
             <a:endParaRPr lang="en-US" dirty="0"/>
@@ -1404,7 +1404,7 @@
           <a:p>
             <a:pPr lvl="0"/>
             <a:r>
-              <a:rPr lang="ko-KR" altLang="en-US" smtClean="0"/>
+              <a:rPr lang="ko-KR" altLang="en-US"/>
               <a:t>마스터 텍스트 스타일 편집</a:t>
             </a:r>
           </a:p>
@@ -1432,35 +1432,35 @@
           <a:p>
             <a:pPr lvl="0"/>
             <a:r>
-              <a:rPr lang="ko-KR" altLang="en-US" smtClean="0"/>
+              <a:rPr lang="ko-KR" altLang="en-US"/>
               <a:t>마스터 텍스트 스타일 편집</a:t>
             </a:r>
           </a:p>
           <a:p>
             <a:pPr lvl="1"/>
             <a:r>
-              <a:rPr lang="ko-KR" altLang="en-US" smtClean="0"/>
+              <a:rPr lang="ko-KR" altLang="en-US"/>
               <a:t>둘째 수준</a:t>
             </a:r>
           </a:p>
           <a:p>
             <a:pPr lvl="2"/>
             <a:r>
-              <a:rPr lang="ko-KR" altLang="en-US" smtClean="0"/>
+              <a:rPr lang="ko-KR" altLang="en-US"/>
               <a:t>셋째 수준</a:t>
             </a:r>
           </a:p>
           <a:p>
             <a:pPr lvl="3"/>
             <a:r>
-              <a:rPr lang="ko-KR" altLang="en-US" smtClean="0"/>
+              <a:rPr lang="ko-KR" altLang="en-US"/>
               <a:t>넷째 수준</a:t>
             </a:r>
           </a:p>
           <a:p>
             <a:pPr lvl="4"/>
             <a:r>
-              <a:rPr lang="ko-KR" altLang="en-US" smtClean="0"/>
+              <a:rPr lang="ko-KR" altLang="en-US"/>
               <a:t>다섯째 수준</a:t>
             </a:r>
             <a:endParaRPr lang="en-US" dirty="0"/>
@@ -1526,7 +1526,7 @@
           <a:p>
             <a:pPr lvl="0"/>
             <a:r>
-              <a:rPr lang="ko-KR" altLang="en-US" smtClean="0"/>
+              <a:rPr lang="ko-KR" altLang="en-US"/>
               <a:t>마스터 텍스트 스타일 편집</a:t>
             </a:r>
           </a:p>
@@ -1554,35 +1554,35 @@
           <a:p>
             <a:pPr lvl="0"/>
             <a:r>
-              <a:rPr lang="ko-KR" altLang="en-US" smtClean="0"/>
+              <a:rPr lang="ko-KR" altLang="en-US"/>
               <a:t>마스터 텍스트 스타일 편집</a:t>
             </a:r>
           </a:p>
           <a:p>
             <a:pPr lvl="1"/>
             <a:r>
-              <a:rPr lang="ko-KR" altLang="en-US" smtClean="0"/>
+              <a:rPr lang="ko-KR" altLang="en-US"/>
               <a:t>둘째 수준</a:t>
             </a:r>
           </a:p>
           <a:p>
             <a:pPr lvl="2"/>
             <a:r>
-              <a:rPr lang="ko-KR" altLang="en-US" smtClean="0"/>
+              <a:rPr lang="ko-KR" altLang="en-US"/>
               <a:t>셋째 수준</a:t>
             </a:r>
           </a:p>
           <a:p>
             <a:pPr lvl="3"/>
             <a:r>
-              <a:rPr lang="ko-KR" altLang="en-US" smtClean="0"/>
+              <a:rPr lang="ko-KR" altLang="en-US"/>
               <a:t>넷째 수준</a:t>
             </a:r>
           </a:p>
           <a:p>
             <a:pPr lvl="4"/>
             <a:r>
-              <a:rPr lang="ko-KR" altLang="en-US" smtClean="0"/>
+              <a:rPr lang="ko-KR" altLang="en-US"/>
               <a:t>다섯째 수준</a:t>
             </a:r>
             <a:endParaRPr lang="en-US" dirty="0"/>
@@ -1606,7 +1606,7 @@
           <a:p>
             <a:fld id="{512D1E97-4763-4D18-8F4B-4468036B0578}" type="datetimeFigureOut">
               <a:rPr lang="ko-KR" altLang="en-US" smtClean="0"/>
-              <a:t>2020-08-22</a:t>
+              <a:t>2020-08-23</a:t>
             </a:fld>
             <a:endParaRPr lang="ko-KR" altLang="en-US"/>
           </a:p>
@@ -1700,7 +1700,7 @@
           <a:lstStyle/>
           <a:p>
             <a:r>
-              <a:rPr lang="ko-KR" altLang="en-US" smtClean="0"/>
+              <a:rPr lang="ko-KR" altLang="en-US"/>
               <a:t>마스터 제목 스타일 편집</a:t>
             </a:r>
             <a:endParaRPr lang="en-US" dirty="0"/>
@@ -1724,7 +1724,7 @@
           <a:p>
             <a:fld id="{512D1E97-4763-4D18-8F4B-4468036B0578}" type="datetimeFigureOut">
               <a:rPr lang="ko-KR" altLang="en-US" smtClean="0"/>
-              <a:t>2020-08-22</a:t>
+              <a:t>2020-08-23</a:t>
             </a:fld>
             <a:endParaRPr lang="ko-KR" altLang="en-US"/>
           </a:p>
@@ -1819,7 +1819,7 @@
           <a:p>
             <a:fld id="{512D1E97-4763-4D18-8F4B-4468036B0578}" type="datetimeFigureOut">
               <a:rPr lang="ko-KR" altLang="en-US" smtClean="0"/>
-              <a:t>2020-08-22</a:t>
+              <a:t>2020-08-23</a:t>
             </a:fld>
             <a:endParaRPr lang="ko-KR" altLang="en-US"/>
           </a:p>
@@ -1922,7 +1922,7 @@
           </a:lstStyle>
           <a:p>
             <a:r>
-              <a:rPr lang="ko-KR" altLang="en-US" smtClean="0"/>
+              <a:rPr lang="ko-KR" altLang="en-US"/>
               <a:t>마스터 제목 스타일 편집</a:t>
             </a:r>
             <a:endParaRPr lang="en-US" dirty="0"/>
@@ -1979,35 +1979,35 @@
           <a:p>
             <a:pPr lvl="0"/>
             <a:r>
-              <a:rPr lang="ko-KR" altLang="en-US" smtClean="0"/>
+              <a:rPr lang="ko-KR" altLang="en-US"/>
               <a:t>마스터 텍스트 스타일 편집</a:t>
             </a:r>
           </a:p>
           <a:p>
             <a:pPr lvl="1"/>
             <a:r>
-              <a:rPr lang="ko-KR" altLang="en-US" smtClean="0"/>
+              <a:rPr lang="ko-KR" altLang="en-US"/>
               <a:t>둘째 수준</a:t>
             </a:r>
           </a:p>
           <a:p>
             <a:pPr lvl="2"/>
             <a:r>
-              <a:rPr lang="ko-KR" altLang="en-US" smtClean="0"/>
+              <a:rPr lang="ko-KR" altLang="en-US"/>
               <a:t>셋째 수준</a:t>
             </a:r>
           </a:p>
           <a:p>
             <a:pPr lvl="3"/>
             <a:r>
-              <a:rPr lang="ko-KR" altLang="en-US" smtClean="0"/>
+              <a:rPr lang="ko-KR" altLang="en-US"/>
               <a:t>넷째 수준</a:t>
             </a:r>
           </a:p>
           <a:p>
             <a:pPr lvl="4"/>
             <a:r>
-              <a:rPr lang="ko-KR" altLang="en-US" smtClean="0"/>
+              <a:rPr lang="ko-KR" altLang="en-US"/>
               <a:t>다섯째 수준</a:t>
             </a:r>
             <a:endParaRPr lang="en-US" dirty="0"/>
@@ -2073,7 +2073,7 @@
           <a:p>
             <a:pPr lvl="0"/>
             <a:r>
-              <a:rPr lang="ko-KR" altLang="en-US" smtClean="0"/>
+              <a:rPr lang="ko-KR" altLang="en-US"/>
               <a:t>마스터 텍스트 스타일 편집</a:t>
             </a:r>
           </a:p>
@@ -2096,7 +2096,7 @@
           <a:p>
             <a:fld id="{512D1E97-4763-4D18-8F4B-4468036B0578}" type="datetimeFigureOut">
               <a:rPr lang="ko-KR" altLang="en-US" smtClean="0"/>
-              <a:t>2020-08-22</a:t>
+              <a:t>2020-08-23</a:t>
             </a:fld>
             <a:endParaRPr lang="ko-KR" altLang="en-US"/>
           </a:p>
@@ -2199,7 +2199,7 @@
           </a:lstStyle>
           <a:p>
             <a:r>
-              <a:rPr lang="ko-KR" altLang="en-US" smtClean="0"/>
+              <a:rPr lang="ko-KR" altLang="en-US"/>
               <a:t>마스터 제목 스타일 편집</a:t>
             </a:r>
             <a:endParaRPr lang="en-US" dirty="0"/>
@@ -2264,7 +2264,7 @@
           </a:lstStyle>
           <a:p>
             <a:r>
-              <a:rPr lang="ko-KR" altLang="en-US" smtClean="0"/>
+              <a:rPr lang="ko-KR" altLang="en-US"/>
               <a:t>그림을 추가하려면 아이콘을 클릭하십시오</a:t>
             </a:r>
             <a:endParaRPr lang="en-US" dirty="0"/>
@@ -2330,7 +2330,7 @@
           <a:p>
             <a:pPr lvl="0"/>
             <a:r>
-              <a:rPr lang="ko-KR" altLang="en-US" smtClean="0"/>
+              <a:rPr lang="ko-KR" altLang="en-US"/>
               <a:t>마스터 텍스트 스타일 편집</a:t>
             </a:r>
           </a:p>
@@ -2353,7 +2353,7 @@
           <a:p>
             <a:fld id="{512D1E97-4763-4D18-8F4B-4468036B0578}" type="datetimeFigureOut">
               <a:rPr lang="ko-KR" altLang="en-US" smtClean="0"/>
-              <a:t>2020-08-22</a:t>
+              <a:t>2020-08-23</a:t>
             </a:fld>
             <a:endParaRPr lang="ko-KR" altLang="en-US"/>
           </a:p>
@@ -2462,7 +2462,7 @@
           <a:lstStyle/>
           <a:p>
             <a:r>
-              <a:rPr lang="ko-KR" altLang="en-US" smtClean="0"/>
+              <a:rPr lang="ko-KR" altLang="en-US"/>
               <a:t>마스터 제목 스타일 편집</a:t>
             </a:r>
             <a:endParaRPr lang="en-US" dirty="0"/>
@@ -2496,35 +2496,35 @@
           <a:p>
             <a:pPr lvl="0"/>
             <a:r>
-              <a:rPr lang="ko-KR" altLang="en-US" smtClean="0"/>
+              <a:rPr lang="ko-KR" altLang="en-US"/>
               <a:t>마스터 텍스트 스타일 편집</a:t>
             </a:r>
           </a:p>
           <a:p>
             <a:pPr lvl="1"/>
             <a:r>
-              <a:rPr lang="ko-KR" altLang="en-US" smtClean="0"/>
+              <a:rPr lang="ko-KR" altLang="en-US"/>
               <a:t>둘째 수준</a:t>
             </a:r>
           </a:p>
           <a:p>
             <a:pPr lvl="2"/>
             <a:r>
-              <a:rPr lang="ko-KR" altLang="en-US" smtClean="0"/>
+              <a:rPr lang="ko-KR" altLang="en-US"/>
               <a:t>셋째 수준</a:t>
             </a:r>
           </a:p>
           <a:p>
             <a:pPr lvl="3"/>
             <a:r>
-              <a:rPr lang="ko-KR" altLang="en-US" smtClean="0"/>
+              <a:rPr lang="ko-KR" altLang="en-US"/>
               <a:t>넷째 수준</a:t>
             </a:r>
           </a:p>
           <a:p>
             <a:pPr lvl="4"/>
             <a:r>
-              <a:rPr lang="ko-KR" altLang="en-US" smtClean="0"/>
+              <a:rPr lang="ko-KR" altLang="en-US"/>
               <a:t>다섯째 수준</a:t>
             </a:r>
             <a:endParaRPr lang="en-US" dirty="0"/>
@@ -2566,7 +2566,7 @@
           <a:p>
             <a:fld id="{512D1E97-4763-4D18-8F4B-4468036B0578}" type="datetimeFigureOut">
               <a:rPr lang="ko-KR" altLang="en-US" smtClean="0"/>
-              <a:t>2020-08-22</a:t>
+              <a:t>2020-08-23</a:t>
             </a:fld>
             <a:endParaRPr lang="ko-KR" altLang="en-US"/>
           </a:p>
@@ -3079,7 +3079,7 @@
         </p:nvGrpSpPr>
         <p:grpSpPr>
           <a:xfrm>
-            <a:off x="256061" y="3519479"/>
+            <a:off x="256061" y="3656639"/>
             <a:ext cx="4267979" cy="1056566"/>
             <a:chOff x="-5181706" y="2941278"/>
             <a:chExt cx="3740144" cy="1335755"/>
@@ -3134,7 +3134,7 @@
             <a:p>
               <a:pPr algn="ctr"/>
               <a:r>
-                <a:rPr lang="en-US" altLang="ko-KR" b="1" dirty="0" smtClean="0">
+                <a:rPr lang="en-US" altLang="ko-KR" b="1" dirty="0">
                   <a:solidFill>
                     <a:schemeClr val="bg1"/>
                   </a:solidFill>
@@ -3303,7 +3303,7 @@
             <a:p>
               <a:pPr algn="ctr"/>
               <a:r>
-                <a:rPr lang="en-US" altLang="ko-KR" b="1" dirty="0" smtClean="0">
+                <a:rPr lang="en-US" altLang="ko-KR" b="1" dirty="0">
                   <a:solidFill>
                     <a:schemeClr val="bg1"/>
                   </a:solidFill>
@@ -3417,7 +3417,7 @@
         </p:nvGrpSpPr>
         <p:grpSpPr>
           <a:xfrm>
-            <a:off x="238706" y="22149298"/>
+            <a:off x="238706" y="22195018"/>
             <a:ext cx="4267979" cy="1202340"/>
             <a:chOff x="-5181706" y="2941278"/>
             <a:chExt cx="3740144" cy="1335755"/>
@@ -3472,7 +3472,7 @@
             <a:p>
               <a:pPr algn="ctr"/>
               <a:r>
-                <a:rPr lang="en-US" altLang="ko-KR" b="1" dirty="0" smtClean="0">
+                <a:rPr lang="en-US" altLang="ko-KR" b="1" dirty="0">
                   <a:solidFill>
                     <a:schemeClr val="bg1"/>
                   </a:solidFill>
@@ -3681,7 +3681,7 @@
           </a:lstStyle>
           <a:p>
             <a:r>
-              <a:rPr lang="en-US" altLang="ko-KR" sz="4000" b="1" dirty="0" smtClean="0">
+              <a:rPr lang="en-US" altLang="ko-KR" sz="4000" b="1" dirty="0">
                 <a:solidFill>
                   <a:schemeClr val="bg1"/>
                 </a:solidFill>
@@ -3697,7 +3697,7 @@
             </a:endParaRPr>
           </a:p>
           <a:p>
-            <a:endParaRPr lang="en-US" altLang="ko-KR" sz="1000" b="1" dirty="0" smtClean="0">
+            <a:endParaRPr lang="en-US" altLang="ko-KR" sz="1000" b="1" dirty="0">
               <a:solidFill>
                 <a:schemeClr val="bg1"/>
               </a:solidFill>
@@ -3713,7 +3713,7 @@
               <a:buAutoNum type="alphaUcPeriod"/>
             </a:pPr>
             <a:r>
-              <a:rPr lang="en-US" altLang="ko-KR" sz="2800" b="1" dirty="0" smtClean="0">
+              <a:rPr lang="en-US" altLang="ko-KR" sz="2800" b="1" dirty="0">
                 <a:solidFill>
                   <a:schemeClr val="bg1"/>
                 </a:solidFill>
@@ -3721,17 +3721,8 @@
               </a:rPr>
               <a:t>Target Vehicle </a:t>
             </a:r>
-            <a:r>
-              <a:rPr lang="en-US" altLang="ko-KR" sz="2800" b="1" dirty="0" smtClean="0">
-                <a:solidFill>
-                  <a:schemeClr val="bg1"/>
-                </a:solidFill>
-                <a:latin typeface="Arial" pitchFamily="34" charset="0"/>
-              </a:rPr>
-              <a:t/>
-            </a:r>
             <a:br>
-              <a:rPr lang="en-US" altLang="ko-KR" sz="2800" b="1" dirty="0" smtClean="0">
+              <a:rPr lang="en-US" altLang="ko-KR" sz="2800" b="1" dirty="0">
                 <a:solidFill>
                   <a:schemeClr val="bg1"/>
                 </a:solidFill>
@@ -3739,7 +3730,7 @@
               </a:rPr>
             </a:br>
             <a:r>
-              <a:rPr lang="en-US" altLang="ko-KR" sz="2800" b="1" dirty="0" smtClean="0">
+              <a:rPr lang="en-US" altLang="ko-KR" sz="2800" b="1" dirty="0">
                 <a:solidFill>
                   <a:schemeClr val="bg1"/>
                 </a:solidFill>
@@ -3747,24 +3738,6 @@
               </a:rPr>
               <a:t>Middle size fuel cell hybrid vehicle</a:t>
             </a:r>
-            <a:endParaRPr lang="en-US" altLang="ko-KR" sz="2800" b="1" dirty="0" smtClean="0">
-              <a:solidFill>
-                <a:schemeClr val="bg1"/>
-              </a:solidFill>
-              <a:latin typeface="Arial" pitchFamily="34" charset="0"/>
-            </a:endParaRPr>
-          </a:p>
-          <a:p>
-            <a:pPr marL="514350" indent="-514350">
-              <a:buFontTx/>
-              <a:buAutoNum type="alphaUcPeriod"/>
-            </a:pPr>
-            <a:endParaRPr lang="en-US" altLang="ko-KR" sz="2800" b="1" dirty="0" smtClean="0">
-              <a:solidFill>
-                <a:schemeClr val="bg1"/>
-              </a:solidFill>
-              <a:latin typeface="Arial" pitchFamily="34" charset="0"/>
-            </a:endParaRPr>
           </a:p>
           <a:p>
             <a:pPr marL="514350" indent="-514350">
@@ -3783,7 +3756,19 @@
               <a:buFontTx/>
               <a:buAutoNum type="alphaUcPeriod"/>
             </a:pPr>
-            <a:endParaRPr lang="en-US" altLang="ko-KR" sz="2800" b="1" dirty="0" smtClean="0">
+            <a:endParaRPr lang="en-US" altLang="ko-KR" sz="2800" b="1" dirty="0">
+              <a:solidFill>
+                <a:schemeClr val="bg1"/>
+              </a:solidFill>
+              <a:latin typeface="Arial" pitchFamily="34" charset="0"/>
+            </a:endParaRPr>
+          </a:p>
+          <a:p>
+            <a:pPr marL="514350" indent="-514350">
+              <a:buFontTx/>
+              <a:buAutoNum type="alphaUcPeriod"/>
+            </a:pPr>
+            <a:endParaRPr lang="en-US" altLang="ko-KR" sz="2800" b="1" dirty="0">
               <a:solidFill>
                 <a:schemeClr val="bg1"/>
               </a:solidFill>
@@ -3806,7 +3791,7 @@
             <a:pPr marL="514350" indent="-514350">
               <a:buAutoNum type="alphaUcPeriod"/>
             </a:pPr>
-            <a:endParaRPr lang="en-US" altLang="ko-KR" sz="1800" b="1" dirty="0" smtClean="0">
+            <a:endParaRPr lang="en-US" altLang="ko-KR" sz="1800" b="1" dirty="0">
               <a:solidFill>
                 <a:schemeClr val="bg1"/>
               </a:solidFill>
@@ -3846,29 +3831,16 @@
               </a:rPr>
               <a:t>Development of energy management strategy for PEMFC-HEV considering </a:t>
             </a:r>
-            <a:endParaRPr lang="en-US" altLang="ko-KR" dirty="0" smtClean="0">
-              <a:solidFill>
-                <a:schemeClr val="bg1"/>
-              </a:solidFill>
-            </a:endParaRPr>
           </a:p>
           <a:p>
             <a:pPr algn="ctr"/>
-            <a:r>
-              <a:rPr lang="en-US" altLang="ko-KR" dirty="0" smtClean="0">
-                <a:solidFill>
-                  <a:schemeClr val="bg1"/>
-                </a:solidFill>
-              </a:rPr>
-              <a:t>degradation </a:t>
-            </a:r>
             <a:r>
               <a:rPr lang="en-US" altLang="ko-KR" dirty="0">
                 <a:solidFill>
                   <a:schemeClr val="bg1"/>
                 </a:solidFill>
               </a:rPr>
-              <a:t>of fuel cell system </a:t>
+              <a:t>degradation of fuel cell system </a:t>
             </a:r>
             <a:endParaRPr lang="en-US" altLang="ko-KR" sz="4800" b="1" dirty="0">
               <a:solidFill>
@@ -3903,22 +3875,14 @@
           <a:p>
             <a:pPr algn="ctr"/>
             <a:r>
-              <a:rPr lang="ko-KR" altLang="en-US" sz="3200" kern="100" spc="-20" dirty="0" err="1" smtClean="0">
+              <a:rPr lang="en-US" altLang="ko-KR" sz="3200" kern="100" spc="-20" dirty="0">
                 <a:solidFill>
                   <a:schemeClr val="bg1"/>
                 </a:solidFill>
                 <a:latin typeface="Times New Roman" panose="02020603050405020304" pitchFamily="18" charset="0"/>
                 <a:ea typeface="바탕체" panose="02030609000101010101" pitchFamily="17" charset="-127"/>
               </a:rPr>
-              <a:t>송창희</a:t>
-            </a:r>
-            <a:r>
-              <a:rPr lang="en-US" altLang="ko-KR" sz="3200" baseline="30000" dirty="0" smtClean="0">
-                <a:solidFill>
-                  <a:schemeClr val="bg1"/>
-                </a:solidFill>
-              </a:rPr>
-              <a:t>1</a:t>
+              <a:t>Song Changhee</a:t>
             </a:r>
             <a:r>
               <a:rPr lang="en-US" altLang="ko-KR" sz="3200" baseline="30000" dirty="0">
@@ -3926,73 +3890,65 @@
                   <a:schemeClr val="bg1"/>
                 </a:solidFill>
               </a:rPr>
-              <a:t>)</a:t>
-            </a:r>
-            <a:r>
-              <a:rPr lang="en-US" altLang="ko-KR" sz="3200" kern="100" spc="-20" dirty="0" smtClean="0">
+              <a:t>1)</a:t>
+            </a:r>
+            <a:r>
+              <a:rPr lang="en-US" altLang="ko-KR" sz="3200" kern="100" spc="-20" dirty="0">
                 <a:solidFill>
                   <a:schemeClr val="bg1"/>
                 </a:solidFill>
                 <a:latin typeface="Times New Roman" panose="02020603050405020304" pitchFamily="18" charset="0"/>
                 <a:ea typeface="바탕체" panose="02030609000101010101" pitchFamily="17" charset="-127"/>
               </a:rPr>
-              <a:t> · </a:t>
-            </a:r>
-            <a:r>
-              <a:rPr lang="ko-KR" altLang="en-US" sz="3200" kern="100" spc="-20" dirty="0" err="1" smtClean="0">
+              <a:t> · Cho</a:t>
+            </a:r>
+            <a:r>
+              <a:rPr lang="ko-KR" altLang="en-US" sz="3200" kern="100" spc="-20" dirty="0">
                 <a:solidFill>
                   <a:schemeClr val="bg1"/>
                 </a:solidFill>
                 <a:latin typeface="Times New Roman" panose="02020603050405020304" pitchFamily="18" charset="0"/>
                 <a:ea typeface="바탕체" panose="02030609000101010101" pitchFamily="17" charset="-127"/>
               </a:rPr>
-              <a:t>조구영</a:t>
-            </a:r>
-            <a:r>
-              <a:rPr lang="en-US" altLang="ko-KR" sz="3200" baseline="30000" dirty="0">
-                <a:solidFill>
-                  <a:schemeClr val="bg1"/>
-                </a:solidFill>
-              </a:rPr>
-              <a:t>2</a:t>
-            </a:r>
-            <a:r>
-              <a:rPr lang="en-US" altLang="ko-KR" sz="3200" baseline="30000" dirty="0" smtClean="0">
-                <a:solidFill>
-                  <a:schemeClr val="bg1"/>
-                </a:solidFill>
-              </a:rPr>
-              <a:t>)</a:t>
-            </a:r>
-            <a:r>
-              <a:rPr lang="en-US" altLang="ko-KR" sz="3200" kern="100" spc="-20" dirty="0" smtClean="0">
+              <a:t> </a:t>
+            </a:r>
+            <a:r>
+              <a:rPr lang="en-US" altLang="ko-KR" sz="3200" kern="100" spc="-20" dirty="0">
                 <a:solidFill>
                   <a:schemeClr val="bg1"/>
                 </a:solidFill>
                 <a:latin typeface="Times New Roman" panose="02020603050405020304" pitchFamily="18" charset="0"/>
                 <a:ea typeface="바탕체" panose="02030609000101010101" pitchFamily="17" charset="-127"/>
               </a:rPr>
-              <a:t> · </a:t>
-            </a:r>
-            <a:r>
-              <a:rPr lang="ko-KR" altLang="en-US" sz="3200" kern="100" spc="-20" dirty="0" err="1" smtClean="0">
+              <a:t>Gu Young</a:t>
+            </a:r>
+            <a:r>
+              <a:rPr lang="en-US" altLang="ko-KR" sz="3200" baseline="30000" dirty="0">
+                <a:solidFill>
+                  <a:schemeClr val="bg1"/>
+                </a:solidFill>
+              </a:rPr>
+              <a:t>2)</a:t>
+            </a:r>
+            <a:r>
+              <a:rPr lang="en-US" altLang="ko-KR" sz="3200" kern="100" spc="-20" dirty="0">
                 <a:solidFill>
                   <a:schemeClr val="bg1"/>
                 </a:solidFill>
                 <a:latin typeface="Times New Roman" panose="02020603050405020304" pitchFamily="18" charset="0"/>
                 <a:ea typeface="바탕체" panose="02030609000101010101" pitchFamily="17" charset="-127"/>
               </a:rPr>
-              <a:t>차석원</a:t>
-            </a:r>
-            <a:r>
-              <a:rPr lang="en-US" altLang="ko-KR" sz="3200" baseline="30000" dirty="0" smtClean="0">
+              <a:t> · Cha Suk Won</a:t>
+            </a:r>
+            <a:r>
+              <a:rPr lang="en-US" altLang="ko-KR" sz="3200" baseline="30000" dirty="0">
                 <a:solidFill>
                   <a:schemeClr val="bg1"/>
                 </a:solidFill>
               </a:rPr>
               <a:t>1)</a:t>
             </a:r>
-            <a:endParaRPr lang="en-US" altLang="ko-KR" sz="3200" kern="100" spc="-20" dirty="0" smtClean="0">
+            <a:endParaRPr lang="en-US" altLang="ko-KR" sz="3200" kern="100" spc="-20" dirty="0">
               <a:solidFill>
                 <a:schemeClr val="bg1"/>
               </a:solidFill>
@@ -4011,7 +3967,7 @@
         <p:spPr>
           <a:xfrm>
             <a:off x="1259168" y="2651779"/>
-            <a:ext cx="17967522" cy="523220"/>
+            <a:ext cx="17967522" cy="461665"/>
           </a:xfrm>
           <a:prstGeom prst="rect">
             <a:avLst/>
@@ -4025,7 +3981,7 @@
           <a:p>
             <a:pPr algn="ctr"/>
             <a:r>
-              <a:rPr lang="en-US" altLang="ko-KR" sz="2800" i="1" baseline="30000" dirty="0" smtClean="0">
+              <a:rPr lang="en-US" altLang="ko-KR" sz="2400" i="1" baseline="30000" dirty="0">
                 <a:solidFill>
                   <a:schemeClr val="bg1"/>
                 </a:solidFill>
@@ -4035,27 +3991,17 @@
               <a:t>1)</a:t>
             </a:r>
             <a:r>
-              <a:rPr lang="ko-KR" altLang="en-US" sz="2800" i="1" dirty="0" smtClean="0">
+              <a:rPr lang="en-US" altLang="ko-KR" sz="2400" i="1" dirty="0">
                 <a:solidFill>
                   <a:schemeClr val="bg1"/>
                 </a:solidFill>
                 <a:latin typeface="Times New Roman" panose="02020603050405020304" pitchFamily="18" charset="0"/>
                 <a:cs typeface="Times New Roman" panose="02020603050405020304" pitchFamily="18" charset="0"/>
               </a:rPr>
-              <a:t>서울대학교 기계공학과</a:t>
-            </a:r>
-            <a:r>
-              <a:rPr lang="en-US" altLang="ko-KR" sz="2800" i="1" dirty="0" smtClean="0">
-                <a:solidFill>
-                  <a:schemeClr val="bg1"/>
-                </a:solidFill>
-                <a:latin typeface="Times New Roman" panose="02020603050405020304" pitchFamily="18" charset="0"/>
-                <a:cs typeface="Times New Roman" panose="02020603050405020304" pitchFamily="18" charset="0"/>
-              </a:rPr>
-              <a:t>,  </a:t>
-            </a:r>
-            <a:r>
-              <a:rPr lang="en-US" altLang="ko-KR" sz="2800" i="1" baseline="30000" dirty="0" smtClean="0">
+              <a:t>Department of Mechanical Engineering, Seoul National University,  </a:t>
+            </a:r>
+            <a:r>
+              <a:rPr lang="en-US" altLang="ko-KR" sz="2400" i="1" baseline="30000" dirty="0">
                 <a:solidFill>
                   <a:schemeClr val="bg1"/>
                 </a:solidFill>
@@ -4065,16 +4011,36 @@
               <a:t>2)</a:t>
             </a:r>
             <a:r>
-              <a:rPr lang="ko-KR" altLang="en-US" sz="2800" i="1" dirty="0" smtClean="0">
+              <a:rPr lang="en-US" altLang="ko-KR" sz="2400" i="1" dirty="0">
                 <a:solidFill>
                   <a:schemeClr val="bg1"/>
                 </a:solidFill>
                 <a:latin typeface="Times New Roman" panose="02020603050405020304" pitchFamily="18" charset="0"/>
                 <a:cs typeface="Times New Roman" panose="02020603050405020304" pitchFamily="18" charset="0"/>
               </a:rPr>
-              <a:t>단국대학교 기계공학과</a:t>
-            </a:r>
-            <a:endParaRPr lang="en-US" altLang="ko-KR" sz="2800" i="1" dirty="0" smtClean="0">
+              <a:t>Department of Mechanical Engineering, </a:t>
+            </a:r>
+            <a:r>
+              <a:rPr lang="en-US" altLang="ko-KR" sz="2400" i="1" dirty="0" err="1">
+                <a:solidFill>
+                  <a:schemeClr val="bg1"/>
+                </a:solidFill>
+                <a:latin typeface="Times New Roman" panose="02020603050405020304" pitchFamily="18" charset="0"/>
+                <a:cs typeface="Times New Roman" panose="02020603050405020304" pitchFamily="18" charset="0"/>
+              </a:rPr>
+              <a:t>Dankook</a:t>
+            </a:r>
+            <a:r>
+              <a:rPr lang="en-US" altLang="ko-KR" sz="2400" i="1" dirty="0">
+                <a:solidFill>
+                  <a:schemeClr val="bg1"/>
+                </a:solidFill>
+                <a:latin typeface="Times New Roman" panose="02020603050405020304" pitchFamily="18" charset="0"/>
+                <a:cs typeface="Times New Roman" panose="02020603050405020304" pitchFamily="18" charset="0"/>
+              </a:rPr>
+              <a:t> University</a:t>
+            </a:r>
+            <a:endParaRPr lang="en-US" altLang="ko-KR" sz="2800" i="1" dirty="0">
               <a:solidFill>
                 <a:schemeClr val="bg1"/>
               </a:solidFill>
@@ -4239,7 +4205,7 @@
           </a:lstStyle>
           <a:p>
             <a:r>
-              <a:rPr lang="en-US" altLang="ko-KR" sz="3600" b="1" dirty="0" smtClean="0">
+              <a:rPr lang="en-US" altLang="ko-KR" sz="3600" b="1" dirty="0">
                 <a:solidFill>
                   <a:schemeClr val="bg1"/>
                 </a:solidFill>
@@ -4247,7 +4213,7 @@
               </a:rPr>
               <a:t>Research Background </a:t>
             </a:r>
-            <a:endParaRPr lang="ko-KR" altLang="en-US" sz="900" dirty="0" smtClean="0">
+            <a:endParaRPr lang="ko-KR" altLang="en-US" sz="900" dirty="0">
               <a:solidFill>
                 <a:schemeClr val="bg1"/>
               </a:solidFill>
@@ -4260,15 +4226,6 @@
                 <a:spcPct val="150000"/>
               </a:lnSpc>
             </a:pPr>
-            <a:r>
-              <a:rPr lang="en-US" altLang="ko-KR" sz="2400" b="1" dirty="0" smtClean="0">
-                <a:solidFill>
-                  <a:schemeClr val="bg1"/>
-                </a:solidFill>
-                <a:latin typeface="Arial" pitchFamily="34" charset="0"/>
-              </a:rPr>
-              <a:t>A</a:t>
-            </a:r>
             <a:r>
               <a:rPr lang="en-US" altLang="ko-KR" sz="2400" b="1" dirty="0">
                 <a:solidFill>
@@ -4276,25 +4233,7 @@
                 </a:solidFill>
                 <a:latin typeface="Arial" pitchFamily="34" charset="0"/>
               </a:rPr>
-              <a:t>. Increased importance of fuel economy due to </a:t>
-            </a:r>
-            <a:r>
-              <a:rPr lang="en-US" altLang="ko-KR" sz="2400" b="1" dirty="0" smtClean="0">
-                <a:solidFill>
-                  <a:schemeClr val="bg1"/>
-                </a:solidFill>
-                <a:latin typeface="Arial" pitchFamily="34" charset="0"/>
-              </a:rPr>
-              <a:t>emission </a:t>
-            </a:r>
-            <a:r>
-              <a:rPr lang="en-US" altLang="ko-KR" sz="2400" b="1" dirty="0">
-                <a:solidFill>
-                  <a:schemeClr val="bg1"/>
-                </a:solidFill>
-                <a:latin typeface="Arial" pitchFamily="34" charset="0"/>
-              </a:rPr>
-              <a:t>regulations</a:t>
+              <a:t>A. Increased importance of fuel economy due to emission regulations</a:t>
             </a:r>
             <a:endParaRPr lang="ko-KR" altLang="en-US" sz="2400" b="1" dirty="0">
               <a:solidFill>
@@ -4309,7 +4248,7 @@
               <a:buChar char="-"/>
             </a:pPr>
             <a:r>
-              <a:rPr lang="en-US" altLang="ko-KR" sz="2400" dirty="0" smtClean="0">
+              <a:rPr lang="en-US" altLang="ko-KR" sz="2400" dirty="0">
                 <a:solidFill>
                   <a:schemeClr val="bg1"/>
                 </a:solidFill>
@@ -4318,7 +4257,7 @@
               <a:t> Electrification of</a:t>
             </a:r>
             <a:r>
-              <a:rPr lang="ko-KR" altLang="en-US" sz="2400" dirty="0" smtClean="0">
+              <a:rPr lang="ko-KR" altLang="en-US" sz="2400" dirty="0">
                 <a:solidFill>
                   <a:schemeClr val="bg1"/>
                 </a:solidFill>
@@ -4327,24 +4266,15 @@
               <a:t> </a:t>
             </a:r>
             <a:r>
-              <a:rPr lang="en-US" altLang="ko-KR" sz="2400" dirty="0" smtClean="0">
-                <a:solidFill>
-                  <a:schemeClr val="bg1"/>
-                </a:solidFill>
-                <a:latin typeface="Arial" pitchFamily="34" charset="0"/>
-              </a:rPr>
-              <a:t>the vehicles </a:t>
-            </a:r>
-            <a:r>
               <a:rPr lang="en-US" altLang="ko-KR" sz="2400" dirty="0">
                 <a:solidFill>
                   <a:schemeClr val="bg1"/>
                 </a:solidFill>
                 <a:latin typeface="Arial" pitchFamily="34" charset="0"/>
               </a:rPr>
-              <a:t>is accelerating</a:t>
-            </a:r>
-            <a:endParaRPr lang="en-US" altLang="ko-KR" sz="2400" b="1" i="1" dirty="0" smtClean="0">
+              <a:t>the vehicles is accelerating</a:t>
+            </a:r>
+            <a:endParaRPr lang="en-US" altLang="ko-KR" sz="2400" b="1" i="1" dirty="0">
               <a:solidFill>
                 <a:schemeClr val="bg1"/>
               </a:solidFill>
@@ -4357,7 +4287,7 @@
               <a:buChar char="-"/>
             </a:pPr>
             <a:r>
-              <a:rPr lang="ko-KR" altLang="en-US" sz="2400" dirty="0" smtClean="0">
+              <a:rPr lang="ko-KR" altLang="en-US" sz="2400" dirty="0">
                 <a:solidFill>
                   <a:schemeClr val="bg1"/>
                 </a:solidFill>
@@ -4374,17 +4304,8 @@
               </a:rPr>
               <a:t>There is increasing interest in efficient fuel cell vehicles without emitting </a:t>
             </a:r>
-            <a:r>
-              <a:rPr lang="en-US" altLang="ko-KR" sz="2400" dirty="0" smtClean="0">
-                <a:solidFill>
-                  <a:schemeClr val="bg1"/>
-                </a:solidFill>
-                <a:latin typeface="Arial" pitchFamily="34" charset="0"/>
-              </a:rPr>
-              <a:t/>
-            </a:r>
             <a:br>
-              <a:rPr lang="en-US" altLang="ko-KR" sz="2400" dirty="0" smtClean="0">
+              <a:rPr lang="en-US" altLang="ko-KR" sz="2400" dirty="0">
                 <a:solidFill>
                   <a:schemeClr val="bg1"/>
                 </a:solidFill>
@@ -4392,7 +4313,7 @@
               </a:rPr>
             </a:br>
             <a:r>
-              <a:rPr lang="en-US" altLang="ko-KR" sz="2400" dirty="0" smtClean="0">
+              <a:rPr lang="en-US" altLang="ko-KR" sz="2400" dirty="0">
                 <a:solidFill>
                   <a:schemeClr val="bg1"/>
                 </a:solidFill>
@@ -4406,7 +4327,7 @@
               <a:buFontTx/>
               <a:buChar char="-"/>
             </a:pPr>
-            <a:endParaRPr lang="ko-KR" altLang="en-US" sz="2400" dirty="0" smtClean="0">
+            <a:endParaRPr lang="ko-KR" altLang="en-US" sz="2400" dirty="0">
               <a:solidFill>
                 <a:schemeClr val="bg1"/>
               </a:solidFill>
@@ -4419,15 +4340,6 @@
                 <a:spcPct val="150000"/>
               </a:lnSpc>
             </a:pPr>
-            <a:r>
-              <a:rPr lang="en-US" altLang="ko-KR" sz="2400" b="1" dirty="0" smtClean="0">
-                <a:solidFill>
-                  <a:schemeClr val="bg1"/>
-                </a:solidFill>
-                <a:latin typeface="Arial" pitchFamily="34" charset="0"/>
-              </a:rPr>
-              <a:t>B</a:t>
-            </a:r>
             <a:r>
               <a:rPr lang="en-US" altLang="ko-KR" sz="2400" b="1" dirty="0">
                 <a:solidFill>
@@ -4435,7 +4347,16 @@
                 </a:solidFill>
                 <a:latin typeface="Arial" pitchFamily="34" charset="0"/>
               </a:rPr>
-              <a:t>. </a:t>
+              <a:t>B. Necessity of developing power distribution strategy (PDS) that guarantees generalization performance</a:t>
+            </a:r>
+            <a:r>
+              <a:rPr lang="ko-KR" altLang="en-US" sz="2400" b="1" dirty="0">
+                <a:solidFill>
+                  <a:schemeClr val="bg1"/>
+                </a:solidFill>
+                <a:latin typeface="Arial" pitchFamily="34" charset="0"/>
+              </a:rPr>
+              <a:t> </a:t>
             </a:r>
             <a:r>
               <a:rPr lang="en-US" altLang="ko-KR" sz="2400" b="1" dirty="0">
@@ -4444,17 +4365,63 @@
                 </a:solidFill>
                 <a:latin typeface="Arial" pitchFamily="34" charset="0"/>
               </a:rPr>
-              <a:t>Necessity of developing power distribution </a:t>
-            </a:r>
-            <a:r>
-              <a:rPr lang="en-US" altLang="ko-KR" sz="2400" b="1" dirty="0" smtClean="0">
+              <a:t>for Fuel Cell Hybrid Electric Vehicles (FCHEVs)</a:t>
+            </a:r>
+            <a:endParaRPr lang="ko-KR" altLang="en-US" sz="2400" dirty="0">
+              <a:solidFill>
+                <a:schemeClr val="bg1"/>
+              </a:solidFill>
+              <a:latin typeface="Arial" pitchFamily="34" charset="0"/>
+            </a:endParaRPr>
+          </a:p>
+          <a:p>
+            <a:pPr>
+              <a:buFontTx/>
+              <a:buChar char="-"/>
+            </a:pPr>
+            <a:r>
+              <a:rPr lang="en-US" altLang="ko-KR" sz="2400" dirty="0">
                 <a:solidFill>
                   <a:schemeClr val="bg1"/>
                 </a:solidFill>
                 <a:latin typeface="Arial" pitchFamily="34" charset="0"/>
               </a:rPr>
-              <a:t>strategy (PDS) </a:t>
-            </a:r>
+              <a:t> Optimal control theories have developed PDS considering future information</a:t>
+            </a:r>
+          </a:p>
+          <a:p>
+            <a:pPr>
+              <a:buFontTx/>
+              <a:buChar char="-"/>
+            </a:pPr>
+            <a:r>
+              <a:rPr lang="en-US" altLang="ko-KR" sz="2400" dirty="0">
+                <a:solidFill>
+                  <a:schemeClr val="bg1"/>
+                </a:solidFill>
+                <a:latin typeface="Arial" pitchFamily="34" charset="0"/>
+              </a:rPr>
+              <a:t> Since reinforcement learning (RL) derives a PDS considering only the current state, there is a growing interest in PDS for HEVs using the RL</a:t>
+            </a:r>
+          </a:p>
+          <a:p>
+            <a:pPr>
+              <a:buFontTx/>
+              <a:buChar char="-"/>
+            </a:pPr>
+            <a:endParaRPr lang="en-US" altLang="ko-KR" sz="2400" dirty="0">
+              <a:solidFill>
+                <a:schemeClr val="bg1"/>
+              </a:solidFill>
+              <a:latin typeface="Arial" pitchFamily="34" charset="0"/>
+            </a:endParaRPr>
+          </a:p>
+          <a:p>
+            <a:pPr>
+              <a:lnSpc>
+                <a:spcPct val="150000"/>
+              </a:lnSpc>
+            </a:pPr>
             <a:r>
               <a:rPr lang="en-US" altLang="ko-KR" sz="2400" b="1" dirty="0">
                 <a:solidFill>
@@ -4462,54 +4429,9 @@
                 </a:solidFill>
                 <a:latin typeface="Arial" pitchFamily="34" charset="0"/>
               </a:rPr>
-              <a:t>that </a:t>
-            </a:r>
-            <a:r>
-              <a:rPr lang="en-US" altLang="ko-KR" sz="2400" b="1" dirty="0" smtClean="0">
-                <a:solidFill>
-                  <a:schemeClr val="bg1"/>
-                </a:solidFill>
-                <a:latin typeface="Arial" pitchFamily="34" charset="0"/>
-              </a:rPr>
-              <a:t>guarantees </a:t>
-            </a:r>
-            <a:r>
-              <a:rPr lang="en-US" altLang="ko-KR" sz="2400" b="1" dirty="0">
-                <a:solidFill>
-                  <a:schemeClr val="bg1"/>
-                </a:solidFill>
-                <a:latin typeface="Arial" pitchFamily="34" charset="0"/>
-              </a:rPr>
-              <a:t>generalization </a:t>
-            </a:r>
-            <a:r>
-              <a:rPr lang="en-US" altLang="ko-KR" sz="2400" b="1" dirty="0" smtClean="0">
-                <a:solidFill>
-                  <a:schemeClr val="bg1"/>
-                </a:solidFill>
-                <a:latin typeface="Arial" pitchFamily="34" charset="0"/>
-              </a:rPr>
-              <a:t>performance</a:t>
-            </a:r>
-            <a:r>
-              <a:rPr lang="ko-KR" altLang="en-US" sz="2400" b="1" dirty="0" smtClean="0">
-                <a:solidFill>
-                  <a:schemeClr val="bg1"/>
-                </a:solidFill>
-                <a:latin typeface="Arial" pitchFamily="34" charset="0"/>
-              </a:rPr>
-              <a:t> </a:t>
-            </a:r>
-            <a:r>
-              <a:rPr lang="en-US" altLang="ko-KR" sz="2400" b="1" dirty="0" smtClean="0">
-                <a:solidFill>
-                  <a:schemeClr val="bg1"/>
-                </a:solidFill>
-                <a:latin typeface="Arial" pitchFamily="34" charset="0"/>
-              </a:rPr>
-              <a:t>for Fuel Cell Hybrid Electric Vehicles (FCHEVs)</a:t>
-            </a:r>
-            <a:endParaRPr lang="ko-KR" altLang="en-US" sz="2400" dirty="0" smtClean="0">
+              <a:t>C. PDS considering the deterioration of fuel cells</a:t>
+            </a:r>
+            <a:endParaRPr lang="ko-KR" altLang="en-US" sz="2400" dirty="0">
               <a:solidFill>
                 <a:schemeClr val="bg1"/>
               </a:solidFill>
@@ -4528,203 +4450,7 @@
                 </a:solidFill>
                 <a:latin typeface="Arial" pitchFamily="34" charset="0"/>
               </a:rPr>
-              <a:t> O</a:t>
-            </a:r>
-            <a:r>
-              <a:rPr lang="en-US" altLang="ko-KR" sz="2400" dirty="0" smtClean="0">
-                <a:solidFill>
-                  <a:schemeClr val="bg1"/>
-                </a:solidFill>
-                <a:latin typeface="Arial" pitchFamily="34" charset="0"/>
-              </a:rPr>
-              <a:t>ptimal </a:t>
-            </a:r>
-            <a:r>
-              <a:rPr lang="en-US" altLang="ko-KR" sz="2400" dirty="0">
-                <a:solidFill>
-                  <a:schemeClr val="bg1"/>
-                </a:solidFill>
-                <a:latin typeface="Arial" pitchFamily="34" charset="0"/>
-              </a:rPr>
-              <a:t>control theories have developed </a:t>
-            </a:r>
-            <a:r>
-              <a:rPr lang="en-US" altLang="ko-KR" sz="2400" dirty="0" smtClean="0">
-                <a:solidFill>
-                  <a:schemeClr val="bg1"/>
-                </a:solidFill>
-                <a:latin typeface="Arial" pitchFamily="34" charset="0"/>
-              </a:rPr>
-              <a:t>PDS considering future information</a:t>
-            </a:r>
-            <a:endParaRPr lang="en-US" altLang="ko-KR" sz="2400" dirty="0" smtClean="0">
-              <a:solidFill>
-                <a:schemeClr val="bg1"/>
-              </a:solidFill>
-              <a:latin typeface="Arial" pitchFamily="34" charset="0"/>
-            </a:endParaRPr>
-          </a:p>
-          <a:p>
-            <a:pPr>
-              <a:buFontTx/>
-              <a:buChar char="-"/>
-            </a:pPr>
-            <a:r>
-              <a:rPr lang="en-US" altLang="ko-KR" sz="2400" dirty="0">
-                <a:solidFill>
-                  <a:schemeClr val="bg1"/>
-                </a:solidFill>
-                <a:latin typeface="Arial" pitchFamily="34" charset="0"/>
-              </a:rPr>
-              <a:t> Since reinforcement </a:t>
-            </a:r>
-            <a:r>
-              <a:rPr lang="en-US" altLang="ko-KR" sz="2400" dirty="0" smtClean="0">
-                <a:solidFill>
-                  <a:schemeClr val="bg1"/>
-                </a:solidFill>
-                <a:latin typeface="Arial" pitchFamily="34" charset="0"/>
-              </a:rPr>
-              <a:t>learning (RL) </a:t>
-            </a:r>
-            <a:r>
-              <a:rPr lang="en-US" altLang="ko-KR" sz="2400" dirty="0">
-                <a:solidFill>
-                  <a:schemeClr val="bg1"/>
-                </a:solidFill>
-                <a:latin typeface="Arial" pitchFamily="34" charset="0"/>
-              </a:rPr>
-              <a:t>derives a </a:t>
-            </a:r>
-            <a:r>
-              <a:rPr lang="en-US" altLang="ko-KR" sz="2400" dirty="0" smtClean="0">
-                <a:solidFill>
-                  <a:schemeClr val="bg1"/>
-                </a:solidFill>
-                <a:latin typeface="Arial" pitchFamily="34" charset="0"/>
-              </a:rPr>
-              <a:t>PDS considering </a:t>
-            </a:r>
-            <a:r>
-              <a:rPr lang="en-US" altLang="ko-KR" sz="2400" dirty="0">
-                <a:solidFill>
-                  <a:schemeClr val="bg1"/>
-                </a:solidFill>
-                <a:latin typeface="Arial" pitchFamily="34" charset="0"/>
-              </a:rPr>
-              <a:t>only the current state, there is a growing interest in </a:t>
-            </a:r>
-            <a:r>
-              <a:rPr lang="en-US" altLang="ko-KR" sz="2400" dirty="0" smtClean="0">
-                <a:solidFill>
-                  <a:schemeClr val="bg1"/>
-                </a:solidFill>
-                <a:latin typeface="Arial" pitchFamily="34" charset="0"/>
-              </a:rPr>
-              <a:t>PDS for HEVs using the RL</a:t>
-            </a:r>
-          </a:p>
-          <a:p>
-            <a:pPr>
-              <a:buFontTx/>
-              <a:buChar char="-"/>
-            </a:pPr>
-            <a:endParaRPr lang="en-US" altLang="ko-KR" sz="2400" dirty="0" smtClean="0">
-              <a:solidFill>
-                <a:schemeClr val="bg1"/>
-              </a:solidFill>
-              <a:latin typeface="Arial" pitchFamily="34" charset="0"/>
-            </a:endParaRPr>
-          </a:p>
-          <a:p>
-            <a:pPr>
-              <a:lnSpc>
-                <a:spcPct val="150000"/>
-              </a:lnSpc>
-            </a:pPr>
-            <a:r>
-              <a:rPr lang="en-US" altLang="ko-KR" sz="2400" b="1" dirty="0" smtClean="0">
-                <a:solidFill>
-                  <a:schemeClr val="bg1"/>
-                </a:solidFill>
-                <a:latin typeface="Arial" pitchFamily="34" charset="0"/>
-              </a:rPr>
-              <a:t>C. </a:t>
-            </a:r>
-            <a:r>
-              <a:rPr lang="en-US" altLang="ko-KR" sz="2400" b="1" dirty="0" smtClean="0">
-                <a:solidFill>
-                  <a:schemeClr val="bg1"/>
-                </a:solidFill>
-                <a:latin typeface="Arial" pitchFamily="34" charset="0"/>
-              </a:rPr>
-              <a:t>PDS </a:t>
-            </a:r>
-            <a:r>
-              <a:rPr lang="en-US" altLang="ko-KR" sz="2400" b="1" dirty="0">
-                <a:solidFill>
-                  <a:schemeClr val="bg1"/>
-                </a:solidFill>
-                <a:latin typeface="Arial" pitchFamily="34" charset="0"/>
-              </a:rPr>
-              <a:t>considering the deterioration of fuel </a:t>
-            </a:r>
-            <a:r>
-              <a:rPr lang="en-US" altLang="ko-KR" sz="2400" b="1" dirty="0" smtClean="0">
-                <a:solidFill>
-                  <a:schemeClr val="bg1"/>
-                </a:solidFill>
-                <a:latin typeface="Arial" pitchFamily="34" charset="0"/>
-              </a:rPr>
-              <a:t>cells</a:t>
-            </a:r>
-            <a:endParaRPr lang="ko-KR" altLang="en-US" sz="2400" dirty="0" smtClean="0">
-              <a:solidFill>
-                <a:schemeClr val="bg1"/>
-              </a:solidFill>
-              <a:latin typeface="Arial" pitchFamily="34" charset="0"/>
-            </a:endParaRPr>
-          </a:p>
-          <a:p>
-            <a:pPr>
-              <a:buFontTx/>
-              <a:buChar char="-"/>
-            </a:pPr>
-            <a:r>
-              <a:rPr lang="en-US" altLang="ko-KR" sz="2400" dirty="0" smtClean="0">
-                <a:solidFill>
-                  <a:schemeClr val="bg1"/>
-                </a:solidFill>
-                <a:latin typeface="Arial" pitchFamily="34" charset="0"/>
-              </a:rPr>
-              <a:t> </a:t>
-            </a:r>
-            <a:r>
-              <a:rPr lang="en-US" altLang="ko-KR" sz="2400" dirty="0">
-                <a:solidFill>
-                  <a:schemeClr val="bg1"/>
-                </a:solidFill>
-                <a:latin typeface="Arial" pitchFamily="34" charset="0"/>
-              </a:rPr>
-              <a:t>Since fuel cells are vulnerable to deterioration, it is necessary to develop </a:t>
-            </a:r>
-            <a:r>
-              <a:rPr lang="en-US" altLang="ko-KR" sz="2400" dirty="0" smtClean="0">
-                <a:solidFill>
-                  <a:schemeClr val="bg1"/>
-                </a:solidFill>
-                <a:latin typeface="Arial" pitchFamily="34" charset="0"/>
-              </a:rPr>
-              <a:t>the PDS that </a:t>
-            </a:r>
-            <a:r>
-              <a:rPr lang="en-US" altLang="ko-KR" sz="2400" dirty="0">
-                <a:solidFill>
-                  <a:schemeClr val="bg1"/>
-                </a:solidFill>
-                <a:latin typeface="Arial" pitchFamily="34" charset="0"/>
-              </a:rPr>
-              <a:t>considers deterioration. </a:t>
+              <a:t> Since fuel cells are vulnerable to deterioration, it is necessary to develop the PDS that considers deterioration. </a:t>
             </a:r>
             <a:endParaRPr lang="ko-KR" altLang="en-US" sz="2400" dirty="0">
               <a:solidFill>
@@ -5209,7 +4935,7 @@
             <a:lstStyle/>
             <a:p>
               <a:r>
-                <a:rPr lang="en-US" altLang="ko-KR" dirty="0" smtClean="0"/>
+                <a:rPr lang="en-US" altLang="ko-KR" dirty="0"/>
                 <a:t> </a:t>
               </a:r>
               <a:endParaRPr lang="ko-KR" altLang="en-US" dirty="0"/>
@@ -5293,7 +5019,7 @@
             <a:p>
               <a:pPr algn="ctr"/>
               <a:r>
-                <a:rPr lang="en-US" altLang="ko-KR" sz="1600" b="1" dirty="0" smtClean="0"/>
+                <a:rPr lang="en-US" altLang="ko-KR" sz="1600" b="1" dirty="0"/>
                 <a:t>DC/AC</a:t>
               </a:r>
               <a:endParaRPr lang="ko-KR" altLang="en-US" sz="1600" b="1" dirty="0"/>
@@ -5457,7 +5183,7 @@
               <a:lstStyle/>
               <a:p>
                 <a:r>
-                  <a:rPr lang="en-US" altLang="ko-KR" sz="2000" b="1" dirty="0" smtClean="0">
+                  <a:rPr lang="en-US" altLang="ko-KR" sz="2000" b="1" dirty="0">
                     <a:solidFill>
                       <a:schemeClr val="bg1"/>
                     </a:solidFill>
@@ -5465,7 +5191,7 @@
                   <a:t>+</a:t>
                 </a:r>
                 <a:r>
-                  <a:rPr lang="en-US" altLang="ko-KR" dirty="0" smtClean="0"/>
+                  <a:rPr lang="en-US" altLang="ko-KR" dirty="0"/>
                   <a:t> </a:t>
                 </a:r>
                 <a:endParaRPr lang="ko-KR" altLang="en-US" dirty="0"/>
@@ -5575,7 +5301,7 @@
               <a:lstStyle/>
               <a:p>
                 <a:r>
-                  <a:rPr lang="en-US" altLang="ko-KR" sz="2000" b="1" dirty="0" smtClean="0">
+                  <a:rPr lang="en-US" altLang="ko-KR" sz="2000" b="1" dirty="0">
                     <a:solidFill>
                       <a:schemeClr val="bg1"/>
                     </a:solidFill>
@@ -5583,7 +5309,7 @@
                   <a:t>-</a:t>
                 </a:r>
                 <a:r>
-                  <a:rPr lang="en-US" altLang="ko-KR" dirty="0" smtClean="0"/>
+                  <a:rPr lang="en-US" altLang="ko-KR" dirty="0"/>
                   <a:t> </a:t>
                 </a:r>
                 <a:endParaRPr lang="ko-KR" altLang="en-US" dirty="0"/>
@@ -5666,7 +5392,7 @@
             <a:p>
               <a:pPr algn="ctr"/>
               <a:r>
-                <a:rPr lang="en-US" altLang="ko-KR" sz="1600" b="1" dirty="0" smtClean="0"/>
+                <a:rPr lang="en-US" altLang="ko-KR" sz="1600" b="1" dirty="0"/>
                 <a:t>DC/DC</a:t>
               </a:r>
               <a:endParaRPr lang="ko-KR" altLang="en-US" sz="1600" b="1" dirty="0"/>
@@ -6141,7 +5867,7 @@
           </a:bodyPr>
           <a:lstStyle/>
           <a:p>
-            <a:endParaRPr lang="en-US" altLang="ko-KR" b="1" dirty="0" smtClean="0">
+            <a:endParaRPr lang="en-US" altLang="ko-KR" b="1" dirty="0">
               <a:solidFill>
                 <a:schemeClr val="accent2"/>
               </a:solidFill>
@@ -6149,8 +5875,8 @@
           </a:p>
         </p:txBody>
       </p:sp>
-      <mc:AlternateContent xmlns:mc="http://schemas.openxmlformats.org/markup-compatibility/2006">
-        <mc:Choice xmlns:a14="http://schemas.microsoft.com/office/drawing/2010/main" Requires="a14">
+      <mc:AlternateContent xmlns:mc="http://schemas.openxmlformats.org/markup-compatibility/2006" xmlns:a14="http://schemas.microsoft.com/office/drawing/2010/main">
+        <mc:Choice Requires="a14">
           <p:sp>
             <p:nvSpPr>
               <p:cNvPr id="125" name="Rectangle 99"/>
@@ -6313,7 +6039,7 @@
                   <a:buAutoNum type="alphaUcPeriod" startAt="2"/>
                 </a:pPr>
                 <a:r>
-                  <a:rPr lang="en-US" altLang="ko-KR" sz="2800" b="1" dirty="0" smtClean="0">
+                  <a:rPr lang="en-US" altLang="ko-KR" sz="2800" b="1" dirty="0">
                     <a:solidFill>
                       <a:schemeClr val="bg1"/>
                     </a:solidFill>
@@ -6321,12 +6047,6 @@
                   </a:rPr>
                   <a:t>Deep Reinforcement Learning</a:t>
                 </a:r>
-                <a:endParaRPr lang="en-US" altLang="ko-KR" sz="2800" b="1" dirty="0">
-                  <a:solidFill>
-                    <a:schemeClr val="bg1"/>
-                  </a:solidFill>
-                  <a:latin typeface="Arial" pitchFamily="34" charset="0"/>
-                </a:endParaRPr>
               </a:p>
               <a:p>
                 <a:pPr marL="971550" lvl="1" indent="-514350">
@@ -6345,17 +6065,8 @@
                   </a:rPr>
                   <a:t>DRL is composed on the Markov Decision Process (MDP) Framework </a:t>
                 </a:r>
-                <a:r>
-                  <a:rPr lang="en-US" altLang="ko-KR" sz="2400" b="1" dirty="0" smtClean="0">
-                    <a:solidFill>
-                      <a:schemeClr val="bg1"/>
-                    </a:solidFill>
-                    <a:latin typeface="Arial" pitchFamily="34" charset="0"/>
-                  </a:rPr>
-                  <a:t/>
-                </a:r>
                 <a:br>
-                  <a:rPr lang="en-US" altLang="ko-KR" sz="2400" b="1" dirty="0" smtClean="0">
+                  <a:rPr lang="en-US" altLang="ko-KR" sz="2400" b="1" dirty="0">
                     <a:solidFill>
                       <a:schemeClr val="bg1"/>
                     </a:solidFill>
@@ -6363,31 +6074,13 @@
                   </a:rPr>
                 </a:br>
                 <a:r>
-                  <a:rPr lang="en-US" altLang="ko-KR" sz="2400" b="1" dirty="0" smtClean="0">
-                    <a:solidFill>
-                      <a:schemeClr val="bg1"/>
-                    </a:solidFill>
-                    <a:latin typeface="Arial" pitchFamily="34" charset="0"/>
-                  </a:rPr>
-                  <a:t>consisting </a:t>
-                </a:r>
-                <a:r>
                   <a:rPr lang="en-US" altLang="ko-KR" sz="2400" b="1" dirty="0">
                     <a:solidFill>
                       <a:schemeClr val="bg1"/>
                     </a:solidFill>
                     <a:latin typeface="Arial" pitchFamily="34" charset="0"/>
                   </a:rPr>
-                  <a:t>of an agent and an </a:t>
-                </a:r>
-                <a:r>
-                  <a:rPr lang="en-US" altLang="ko-KR" sz="2400" b="1" dirty="0" smtClean="0">
-                    <a:solidFill>
-                      <a:schemeClr val="bg1"/>
-                    </a:solidFill>
-                    <a:latin typeface="Arial" pitchFamily="34" charset="0"/>
-                  </a:rPr>
-                  <a:t>environment</a:t>
+                  <a:t>consisting of an agent and an environment</a:t>
                 </a:r>
               </a:p>
               <a:p>
@@ -6407,17 +6100,8 @@
                   </a:rPr>
                   <a:t>In this study, we approach the DRL problem using the Actor-Critic </a:t>
                 </a:r>
-                <a:r>
-                  <a:rPr lang="en-US" altLang="ko-KR" sz="2400" b="1" dirty="0" smtClean="0">
-                    <a:solidFill>
-                      <a:schemeClr val="bg1"/>
-                    </a:solidFill>
-                    <a:latin typeface="Arial" pitchFamily="34" charset="0"/>
-                  </a:rPr>
-                  <a:t/>
-                </a:r>
                 <a:br>
-                  <a:rPr lang="en-US" altLang="ko-KR" sz="2400" b="1" dirty="0" smtClean="0">
+                  <a:rPr lang="en-US" altLang="ko-KR" sz="2400" b="1" dirty="0">
                     <a:solidFill>
                       <a:schemeClr val="bg1"/>
                     </a:solidFill>
@@ -6425,7 +6109,7 @@
                   </a:rPr>
                 </a:br>
                 <a:r>
-                  <a:rPr lang="en-US" altLang="ko-KR" sz="2400" b="1" dirty="0" smtClean="0">
+                  <a:rPr lang="en-US" altLang="ko-KR" sz="2400" b="1" dirty="0">
                     <a:solidFill>
                       <a:schemeClr val="bg1"/>
                     </a:solidFill>
@@ -6449,52 +6133,7 @@
                     </a:solidFill>
                     <a:latin typeface="Arial" pitchFamily="34" charset="0"/>
                   </a:rPr>
-                  <a:t>Definition of </a:t>
-                </a:r>
-                <a:r>
-                  <a:rPr lang="en-US" altLang="ko-KR" sz="2400" b="1" dirty="0" smtClean="0">
-                    <a:solidFill>
-                      <a:schemeClr val="bg1"/>
-                    </a:solidFill>
-                    <a:latin typeface="Arial" pitchFamily="34" charset="0"/>
-                  </a:rPr>
-                  <a:t>state</a:t>
-                </a:r>
-                <a:r>
-                  <a:rPr lang="en-US" altLang="ko-KR" sz="2400" b="1" dirty="0">
-                    <a:solidFill>
-                      <a:schemeClr val="bg1"/>
-                    </a:solidFill>
-                    <a:latin typeface="Arial" pitchFamily="34" charset="0"/>
-                  </a:rPr>
-                  <a:t>, </a:t>
-                </a:r>
-                <a:r>
-                  <a:rPr lang="en-US" altLang="ko-KR" sz="2400" b="1" dirty="0" smtClean="0">
-                    <a:solidFill>
-                      <a:schemeClr val="bg1"/>
-                    </a:solidFill>
-                    <a:latin typeface="Arial" pitchFamily="34" charset="0"/>
-                  </a:rPr>
-                  <a:t>action</a:t>
-                </a:r>
-                <a:r>
-                  <a:rPr lang="en-US" altLang="ko-KR" sz="2400" b="1" dirty="0">
-                    <a:solidFill>
-                      <a:schemeClr val="bg1"/>
-                    </a:solidFill>
-                    <a:latin typeface="Arial" pitchFamily="34" charset="0"/>
-                  </a:rPr>
-                  <a:t>, and r</a:t>
-                </a:r>
-                <a:r>
-                  <a:rPr lang="en-US" altLang="ko-KR" sz="2400" b="1" dirty="0" smtClean="0">
-                    <a:solidFill>
-                      <a:schemeClr val="bg1"/>
-                    </a:solidFill>
-                    <a:latin typeface="Arial" pitchFamily="34" charset="0"/>
-                  </a:rPr>
-                  <a:t>eward:</a:t>
+                  <a:t>Definition of state, action, and reward:</a:t>
                 </a:r>
               </a:p>
               <a:p>
@@ -6506,7 +6145,7 @@
                   <a:buChar char="ü"/>
                 </a:pPr>
                 <a:r>
-                  <a:rPr lang="en-US" altLang="ko-KR" sz="2400" b="1" dirty="0" smtClean="0">
+                  <a:rPr lang="en-US" altLang="ko-KR" sz="2400" b="1" dirty="0">
                     <a:solidFill>
                       <a:schemeClr val="bg1"/>
                     </a:solidFill>
@@ -6515,7 +6154,7 @@
                   <a:t>State  </a:t>
                 </a:r>
                 <a:r>
-                  <a:rPr lang="en-US" altLang="ko-KR" sz="2400" b="1" dirty="0" smtClean="0">
+                  <a:rPr lang="en-US" altLang="ko-KR" sz="2400" b="1" dirty="0">
                     <a:solidFill>
                       <a:schemeClr val="bg1"/>
                     </a:solidFill>
@@ -6525,7 +6164,7 @@
                   <a:t> </a:t>
                 </a:r>
                 <a:r>
-                  <a:rPr lang="en-US" altLang="ko-KR" sz="2400" b="1" dirty="0" smtClean="0">
+                  <a:rPr lang="en-US" altLang="ko-KR" sz="2400" b="1" dirty="0">
                     <a:solidFill>
                       <a:schemeClr val="bg1"/>
                     </a:solidFill>
@@ -6786,7 +6425,7 @@
                   </m:oMath>
                 </a14:m>
                 <a:r>
-                  <a:rPr lang="en-US" altLang="ko-KR" sz="2400" b="1" dirty="0" smtClean="0">
+                  <a:rPr lang="en-US" altLang="ko-KR" sz="2400" b="1" dirty="0">
                     <a:solidFill>
                       <a:schemeClr val="bg1"/>
                     </a:solidFill>
@@ -6804,7 +6443,7 @@
                   <a:buChar char="ü"/>
                 </a:pPr>
                 <a:r>
-                  <a:rPr lang="en-US" altLang="ko-KR" sz="2400" b="1" dirty="0" smtClean="0">
+                  <a:rPr lang="en-US" altLang="ko-KR" sz="2400" b="1" dirty="0">
                     <a:solidFill>
                       <a:schemeClr val="bg1"/>
                     </a:solidFill>
@@ -6813,7 +6452,7 @@
                   <a:t>Action  </a:t>
                 </a:r>
                 <a:r>
-                  <a:rPr lang="en-US" altLang="ko-KR" sz="2400" b="1" dirty="0" smtClean="0">
+                  <a:rPr lang="en-US" altLang="ko-KR" sz="2400" b="1" dirty="0">
                     <a:solidFill>
                       <a:schemeClr val="bg1"/>
                     </a:solidFill>
@@ -6916,7 +6555,7 @@
                     </m:r>
                   </m:oMath>
                 </a14:m>
-                <a:endParaRPr lang="en-US" altLang="ko-KR" sz="2400" b="1" dirty="0" smtClean="0">
+                <a:endParaRPr lang="en-US" altLang="ko-KR" sz="2400" b="1" dirty="0">
                   <a:solidFill>
                     <a:schemeClr val="bg1"/>
                   </a:solidFill>
@@ -6932,7 +6571,7 @@
                   <a:buChar char="ü"/>
                 </a:pPr>
                 <a:r>
-                  <a:rPr lang="en-US" altLang="ko-KR" sz="2400" b="1" dirty="0" smtClean="0">
+                  <a:rPr lang="en-US" altLang="ko-KR" sz="2400" b="1" dirty="0">
                     <a:solidFill>
                       <a:schemeClr val="bg1"/>
                     </a:solidFill>
@@ -6941,7 +6580,7 @@
                   <a:t>Reward </a:t>
                 </a:r>
                 <a:r>
-                  <a:rPr lang="ko-KR" altLang="en-US" sz="2400" b="1" dirty="0" smtClean="0">
+                  <a:rPr lang="ko-KR" altLang="en-US" sz="2400" b="1" dirty="0">
                     <a:solidFill>
                       <a:schemeClr val="bg1"/>
                     </a:solidFill>
@@ -6950,7 +6589,7 @@
                   <a:t> </a:t>
                 </a:r>
                 <a:r>
-                  <a:rPr lang="en-US" altLang="ko-KR" sz="2400" b="1" dirty="0" smtClean="0">
+                  <a:rPr lang="en-US" altLang="ko-KR" sz="2400" b="1" dirty="0">
                     <a:solidFill>
                       <a:schemeClr val="bg1"/>
                     </a:solidFill>
@@ -7187,7 +6826,7 @@
                   </m:oMath>
                 </a14:m>
                 <a:r>
-                  <a:rPr lang="en-US" altLang="ko-KR" sz="2400" b="1" dirty="0" smtClean="0">
+                  <a:rPr lang="en-US" altLang="ko-KR" sz="2400" b="1" dirty="0">
                     <a:solidFill>
                       <a:schemeClr val="bg1"/>
                     </a:solidFill>
@@ -7204,19 +6843,7 @@
                   <a:buFont typeface="Arial" panose="020B0604020202020204" pitchFamily="34" charset="0"/>
                   <a:buChar char="•"/>
                 </a:pPr>
-                <a:endParaRPr lang="en-US" altLang="ko-KR" sz="2400" b="1" dirty="0" smtClean="0">
-                  <a:solidFill>
-                    <a:schemeClr val="bg1"/>
-                  </a:solidFill>
-                  <a:latin typeface="Arial" pitchFamily="34" charset="0"/>
-                </a:endParaRPr>
-              </a:p>
-              <a:p>
-                <a:pPr marL="514350" indent="-514350">
-                  <a:buFontTx/>
-                  <a:buAutoNum type="alphaUcPeriod" startAt="2"/>
-                </a:pPr>
-                <a:endParaRPr lang="en-US" altLang="ko-KR" sz="2800" b="1" dirty="0" smtClean="0">
+                <a:endParaRPr lang="en-US" altLang="ko-KR" sz="2400" b="1" dirty="0">
                   <a:solidFill>
                     <a:schemeClr val="bg1"/>
                   </a:solidFill>
@@ -7240,7 +6867,19 @@
                   <a:buFontTx/>
                   <a:buAutoNum type="alphaUcPeriod" startAt="2"/>
                 </a:pPr>
-                <a:endParaRPr lang="en-US" altLang="ko-KR" sz="2800" b="1" dirty="0" smtClean="0">
+                <a:endParaRPr lang="en-US" altLang="ko-KR" sz="2800" b="1" dirty="0">
+                  <a:solidFill>
+                    <a:schemeClr val="bg1"/>
+                  </a:solidFill>
+                  <a:latin typeface="Arial" pitchFamily="34" charset="0"/>
+                </a:endParaRPr>
+              </a:p>
+              <a:p>
+                <a:pPr marL="514350" indent="-514350">
+                  <a:buFontTx/>
+                  <a:buAutoNum type="alphaUcPeriod" startAt="2"/>
+                </a:pPr>
+                <a:endParaRPr lang="en-US" altLang="ko-KR" sz="2800" b="1" dirty="0">
                   <a:solidFill>
                     <a:schemeClr val="bg1"/>
                   </a:solidFill>
@@ -7263,7 +6902,7 @@
                 <a:pPr marL="514350" indent="-514350">
                   <a:buAutoNum type="alphaUcPeriod" startAt="2"/>
                 </a:pPr>
-                <a:endParaRPr lang="en-US" altLang="ko-KR" sz="1800" b="1" dirty="0" smtClean="0">
+                <a:endParaRPr lang="en-US" altLang="ko-KR" sz="1800" b="1" dirty="0">
                   <a:solidFill>
                     <a:schemeClr val="bg1"/>
                   </a:solidFill>
@@ -7273,7 +6912,7 @@
             </p:txBody>
           </p:sp>
         </mc:Choice>
-        <mc:Fallback>
+        <mc:Fallback xmlns="">
           <p:sp>
             <p:nvSpPr>
               <p:cNvPr id="125" name="Rectangle 99"/>
@@ -7473,33 +7112,15 @@
           </a:lstStyle>
           <a:p>
             <a:r>
-              <a:rPr lang="en-US" altLang="ko-KR" sz="3600" b="1" dirty="0" smtClean="0">
+              <a:rPr lang="en-US" altLang="ko-KR" sz="3600" b="1" dirty="0">
                 <a:solidFill>
                   <a:schemeClr val="bg1"/>
                 </a:solidFill>
                 <a:latin typeface="Arial" pitchFamily="34" charset="0"/>
               </a:rPr>
-              <a:t>Research </a:t>
-            </a:r>
-            <a:r>
-              <a:rPr lang="en-US" altLang="ko-KR" sz="3600" b="1" dirty="0" smtClean="0">
-                <a:solidFill>
-                  <a:schemeClr val="bg1"/>
-                </a:solidFill>
-                <a:latin typeface="Arial" pitchFamily="34" charset="0"/>
-              </a:rPr>
-              <a:t>Objectives </a:t>
-            </a:r>
-            <a:r>
-              <a:rPr lang="en-US" altLang="ko-KR" sz="3600" b="1" dirty="0" smtClean="0">
-                <a:solidFill>
-                  <a:schemeClr val="bg1"/>
-                </a:solidFill>
-                <a:latin typeface="Arial" pitchFamily="34" charset="0"/>
-              </a:rPr>
-              <a:t> </a:t>
-            </a:r>
-            <a:endParaRPr lang="ko-KR" altLang="en-US" sz="3600" dirty="0" smtClean="0">
+              <a:t>Research Objectives  </a:t>
+            </a:r>
+            <a:endParaRPr lang="ko-KR" altLang="en-US" sz="3600" dirty="0">
               <a:solidFill>
                 <a:schemeClr val="bg1"/>
               </a:solidFill>
@@ -7514,34 +7135,16 @@
               <a:buAutoNum type="alphaUcPeriod"/>
             </a:pPr>
             <a:r>
-              <a:rPr lang="en-US" altLang="ko-KR" sz="2400" b="1" dirty="0" smtClean="0">
-                <a:solidFill>
-                  <a:schemeClr val="bg1"/>
-                </a:solidFill>
-                <a:latin typeface="Arial" pitchFamily="34" charset="0"/>
-              </a:rPr>
-              <a:t>PDS for FCHEVs </a:t>
-            </a:r>
-            <a:r>
               <a:rPr lang="en-US" altLang="ko-KR" sz="2400" b="1" dirty="0">
                 <a:solidFill>
                   <a:schemeClr val="bg1"/>
                 </a:solidFill>
                 <a:latin typeface="Arial" pitchFamily="34" charset="0"/>
               </a:rPr>
-              <a:t>development using deep reinforcement </a:t>
-            </a:r>
-            <a:r>
-              <a:rPr lang="en-US" altLang="ko-KR" sz="2400" b="1" dirty="0" smtClean="0">
-                <a:solidFill>
-                  <a:schemeClr val="bg1"/>
-                </a:solidFill>
-                <a:latin typeface="Arial" pitchFamily="34" charset="0"/>
-              </a:rPr>
-              <a:t/>
+              <a:t>PDS for FCHEVs development using deep reinforcement </a:t>
             </a:r>
             <a:br>
-              <a:rPr lang="en-US" altLang="ko-KR" sz="2400" b="1" dirty="0" smtClean="0">
+              <a:rPr lang="en-US" altLang="ko-KR" sz="2400" b="1" dirty="0">
                 <a:solidFill>
                   <a:schemeClr val="bg1"/>
                 </a:solidFill>
@@ -7549,7 +7152,7 @@
               </a:rPr>
             </a:br>
             <a:r>
-              <a:rPr lang="en-US" altLang="ko-KR" sz="2400" b="1" dirty="0" smtClean="0">
+              <a:rPr lang="en-US" altLang="ko-KR" sz="2400" b="1" dirty="0">
                 <a:solidFill>
                   <a:schemeClr val="bg1"/>
                 </a:solidFill>
@@ -7577,37 +7180,49 @@
                 </a:solidFill>
                 <a:latin typeface="Arial" pitchFamily="34" charset="0"/>
               </a:rPr>
-              <a:t>B. </a:t>
-            </a:r>
-            <a:r>
-              <a:rPr lang="en-US" altLang="ko-KR" sz="2400" b="1" dirty="0" smtClean="0">
-                <a:solidFill>
-                  <a:schemeClr val="bg1"/>
-                </a:solidFill>
-                <a:latin typeface="Arial" pitchFamily="34" charset="0"/>
-              </a:rPr>
-              <a:t>PDS for FCHEVs development </a:t>
-            </a:r>
-            <a:r>
+              <a:t>B. PDS for FCHEVs development that guarantees </a:t>
+            </a:r>
+            <a:br>
               <a:rPr lang="en-US" altLang="ko-KR" sz="2400" b="1" dirty="0">
                 <a:solidFill>
                   <a:schemeClr val="bg1"/>
                 </a:solidFill>
                 <a:latin typeface="Arial" pitchFamily="34" charset="0"/>
               </a:rPr>
-              <a:t>that guarantees </a:t>
-            </a:r>
-            <a:r>
-              <a:rPr lang="en-US" altLang="ko-KR" sz="2400" b="1" dirty="0" smtClean="0">
+            </a:br>
+            <a:r>
+              <a:rPr lang="en-US" altLang="ko-KR" sz="2400" b="1" dirty="0">
                 <a:solidFill>
                   <a:schemeClr val="bg1"/>
                 </a:solidFill>
                 <a:latin typeface="Arial" pitchFamily="34" charset="0"/>
               </a:rPr>
-              <a:t/>
+              <a:t>generalization performance</a:t>
+            </a:r>
+            <a:endParaRPr lang="en-US" altLang="ko-KR" sz="2400" dirty="0">
+              <a:solidFill>
+                <a:schemeClr val="bg1"/>
+              </a:solidFill>
+              <a:latin typeface="Arial" pitchFamily="34" charset="0"/>
+            </a:endParaRPr>
+          </a:p>
+          <a:p>
+            <a:pPr>
+              <a:lnSpc>
+                <a:spcPct val="150000"/>
+              </a:lnSpc>
+            </a:pPr>
+            <a:r>
+              <a:rPr lang="en-US" altLang="ko-KR" sz="2400" b="1" dirty="0">
+                <a:solidFill>
+                  <a:schemeClr val="bg1"/>
+                </a:solidFill>
+                <a:latin typeface="Arial" pitchFamily="34" charset="0"/>
+              </a:rPr>
+              <a:t>C. Control Strategy development considering the fuel cell </a:t>
             </a:r>
             <a:br>
-              <a:rPr lang="en-US" altLang="ko-KR" sz="2400" b="1" dirty="0" smtClean="0">
+              <a:rPr lang="en-US" altLang="ko-KR" sz="2400" b="1" dirty="0">
                 <a:solidFill>
                   <a:schemeClr val="bg1"/>
                 </a:solidFill>
@@ -7615,55 +7230,7 @@
               </a:rPr>
             </a:br>
             <a:r>
-              <a:rPr lang="en-US" altLang="ko-KR" sz="2400" b="1" dirty="0" smtClean="0">
-                <a:solidFill>
-                  <a:schemeClr val="bg1"/>
-                </a:solidFill>
-                <a:latin typeface="Arial" pitchFamily="34" charset="0"/>
-              </a:rPr>
-              <a:t>generalization performance</a:t>
-            </a:r>
-            <a:endParaRPr lang="en-US" altLang="ko-KR" sz="2400" dirty="0">
-              <a:solidFill>
-                <a:schemeClr val="bg1"/>
-              </a:solidFill>
-              <a:latin typeface="Arial" pitchFamily="34" charset="0"/>
-            </a:endParaRPr>
-          </a:p>
-          <a:p>
-            <a:pPr>
-              <a:lnSpc>
-                <a:spcPct val="150000"/>
-              </a:lnSpc>
-            </a:pPr>
-            <a:r>
               <a:rPr lang="en-US" altLang="ko-KR" sz="2400" b="1" dirty="0">
-                <a:solidFill>
-                  <a:schemeClr val="bg1"/>
-                </a:solidFill>
-                <a:latin typeface="Arial" pitchFamily="34" charset="0"/>
-              </a:rPr>
-              <a:t>C. </a:t>
-            </a:r>
-            <a:r>
-              <a:rPr lang="en-US" altLang="ko-KR" sz="2400" b="1" dirty="0" smtClean="0">
-                <a:solidFill>
-                  <a:schemeClr val="bg1"/>
-                </a:solidFill>
-                <a:latin typeface="Arial" pitchFamily="34" charset="0"/>
-              </a:rPr>
-              <a:t>Control Strategy development considering the fuel cell </a:t>
-            </a:r>
-            <a:br>
-              <a:rPr lang="en-US" altLang="ko-KR" sz="2400" b="1" dirty="0" smtClean="0">
-                <a:solidFill>
-                  <a:schemeClr val="bg1"/>
-                </a:solidFill>
-                <a:latin typeface="Arial" pitchFamily="34" charset="0"/>
-              </a:rPr>
-            </a:br>
-            <a:r>
-              <a:rPr lang="en-US" altLang="ko-KR" sz="2400" b="1" dirty="0" smtClean="0">
                 <a:solidFill>
                   <a:schemeClr val="bg1"/>
                 </a:solidFill>
@@ -7703,7 +7270,7 @@
           <a:lstStyle/>
           <a:p>
             <a:r>
-              <a:rPr lang="en-US" altLang="ko-KR" sz="2800" b="1" dirty="0" smtClean="0">
+              <a:rPr lang="en-US" altLang="ko-KR" sz="2800" b="1" dirty="0">
                 <a:solidFill>
                   <a:schemeClr val="bg1"/>
                 </a:solidFill>
@@ -7711,7 +7278,7 @@
               <a:t>Battery</a:t>
             </a:r>
             <a:r>
-              <a:rPr lang="en-US" altLang="ko-KR" dirty="0" smtClean="0"/>
+              <a:rPr lang="en-US" altLang="ko-KR" dirty="0"/>
               <a:t> </a:t>
             </a:r>
             <a:endParaRPr lang="ko-KR" altLang="en-US" dirty="0"/>
@@ -7741,7 +7308,7 @@
           <a:lstStyle/>
           <a:p>
             <a:r>
-              <a:rPr lang="en-US" altLang="ko-KR" sz="2800" b="1" dirty="0" smtClean="0">
+              <a:rPr lang="en-US" altLang="ko-KR" sz="2800" b="1" dirty="0">
                 <a:solidFill>
                   <a:schemeClr val="bg1"/>
                 </a:solidFill>
@@ -7749,7 +7316,7 @@
               <a:t>Motor </a:t>
             </a:r>
             <a:r>
-              <a:rPr lang="en-US" altLang="ko-KR" dirty="0" smtClean="0"/>
+              <a:rPr lang="en-US" altLang="ko-KR" dirty="0"/>
               <a:t> </a:t>
             </a:r>
             <a:endParaRPr lang="ko-KR" altLang="en-US" dirty="0"/>
@@ -7779,7 +7346,7 @@
           <a:lstStyle/>
           <a:p>
             <a:r>
-              <a:rPr lang="en-US" altLang="ko-KR" sz="2800" b="1" dirty="0" smtClean="0">
+              <a:rPr lang="en-US" altLang="ko-KR" sz="2800" b="1" dirty="0">
                 <a:solidFill>
                   <a:schemeClr val="bg1"/>
                 </a:solidFill>
@@ -7787,7 +7354,7 @@
               <a:t>FC stack  </a:t>
             </a:r>
             <a:r>
-              <a:rPr lang="en-US" altLang="ko-KR" dirty="0" smtClean="0"/>
+              <a:rPr lang="en-US" altLang="ko-KR" dirty="0"/>
               <a:t> </a:t>
             </a:r>
             <a:endParaRPr lang="ko-KR" altLang="en-US" dirty="0"/>
@@ -7818,54 +7385,6 @@
           </a:prstGeom>
         </p:spPr>
       </p:pic>
-      <p:sp>
-        <p:nvSpPr>
-          <p:cNvPr id="25" name="직사각형 24"/>
-          <p:cNvSpPr/>
-          <p:nvPr/>
-        </p:nvSpPr>
-        <p:spPr>
-          <a:xfrm>
-            <a:off x="13201499" y="9312248"/>
-            <a:ext cx="6515100" cy="1333500"/>
-          </a:xfrm>
-          <a:prstGeom prst="rect">
-            <a:avLst/>
-          </a:prstGeom>
-        </p:spPr>
-        <p:style>
-          <a:lnRef idx="2">
-            <a:schemeClr val="accent1">
-              <a:shade val="50000"/>
-            </a:schemeClr>
-          </a:lnRef>
-          <a:fillRef idx="1">
-            <a:schemeClr val="accent1"/>
-          </a:fillRef>
-          <a:effectRef idx="0">
-            <a:schemeClr val="accent1"/>
-          </a:effectRef>
-          <a:fontRef idx="minor">
-            <a:schemeClr val="lt1"/>
-          </a:fontRef>
-        </p:style>
-        <p:txBody>
-          <a:bodyPr rtlCol="0" anchor="ctr"/>
-          <a:lstStyle/>
-          <a:p>
-            <a:pPr algn="ctr"/>
-            <a:r>
-              <a:rPr lang="en-US" altLang="ko-KR" dirty="0" smtClean="0"/>
-              <a:t>FCHEV </a:t>
-            </a:r>
-            <a:r>
-              <a:rPr lang="ko-KR" altLang="en-US" dirty="0" smtClean="0"/>
-              <a:t>동향 등  </a:t>
-            </a:r>
-            <a:endParaRPr lang="ko-KR" altLang="en-US" dirty="0"/>
-          </a:p>
-        </p:txBody>
-      </p:sp>
       <p:graphicFrame>
         <p:nvGraphicFramePr>
           <p:cNvPr id="486" name="표 485"/>
@@ -7914,7 +7433,7 @@
                     <a:p>
                       <a:pPr algn="ctr" latinLnBrk="1"/>
                       <a:r>
-                        <a:rPr lang="en-US" altLang="ko-KR" sz="2400" dirty="0" smtClean="0"/>
+                        <a:rPr lang="en-US" altLang="ko-KR" sz="2400" dirty="0"/>
                         <a:t>Properties </a:t>
                       </a:r>
                       <a:endParaRPr lang="ko-KR" altLang="en-US" sz="2400" dirty="0"/>
@@ -7941,7 +7460,7 @@
                     <a:p>
                       <a:pPr algn="ctr" latinLnBrk="1"/>
                       <a:r>
-                        <a:rPr lang="en-US" altLang="ko-KR" sz="2400" dirty="0" smtClean="0"/>
+                        <a:rPr lang="en-US" altLang="ko-KR" sz="2400" dirty="0"/>
                         <a:t>Values </a:t>
                       </a:r>
                       <a:endParaRPr lang="ko-KR" altLang="en-US" sz="2400" dirty="0"/>
@@ -7975,7 +7494,7 @@
                     <a:p>
                       <a:pPr latinLnBrk="1"/>
                       <a:r>
-                        <a:rPr lang="en-US" altLang="ko-KR" sz="2000" b="1" dirty="0" smtClean="0">
+                        <a:rPr lang="en-US" altLang="ko-KR" sz="2000" b="1" dirty="0">
                           <a:solidFill>
                             <a:schemeClr val="bg2">
                               <a:lumMod val="50000"/>
@@ -7985,7 +7504,7 @@
                         <a:t>Maximum stack </a:t>
                       </a:r>
                       <a:r>
-                        <a:rPr lang="en-US" altLang="ko-KR" sz="2000" b="1" baseline="0" dirty="0" smtClean="0">
+                        <a:rPr lang="en-US" altLang="ko-KR" sz="2000" b="1" baseline="0" dirty="0">
                           <a:solidFill>
                             <a:schemeClr val="bg2">
                               <a:lumMod val="50000"/>
@@ -8151,7 +7670,7 @@
                         <a:tabLst/>
                       </a:pPr>
                       <a:r>
-                        <a:rPr kumimoji="0" lang="en-US" altLang="ko-KR" sz="2000" b="1" i="0" u="none" strike="noStrike" cap="none" normalizeH="0" baseline="0" dirty="0" smtClean="0">
+                        <a:rPr kumimoji="0" lang="en-US" altLang="ko-KR" sz="2000" b="1" i="0" u="none" strike="noStrike" cap="none" normalizeH="0" baseline="0" dirty="0">
                           <a:ln>
                             <a:noFill/>
                           </a:ln>
@@ -8166,7 +7685,7 @@
                         </a:rPr>
                         <a:t>67</a:t>
                       </a:r>
-                      <a:endParaRPr kumimoji="0" lang="ko-KR" altLang="en-US" sz="2000" b="1" i="0" u="none" strike="noStrike" cap="none" normalizeH="0" baseline="0" dirty="0" smtClean="0">
+                      <a:endParaRPr kumimoji="0" lang="ko-KR" altLang="en-US" sz="2000" b="1" i="0" u="none" strike="noStrike" cap="none" normalizeH="0" baseline="0" dirty="0">
                         <a:ln>
                           <a:noFill/>
                         </a:ln>
@@ -8209,7 +7728,7 @@
                     <a:p>
                       <a:pPr latinLnBrk="1"/>
                       <a:r>
-                        <a:rPr lang="en-US" altLang="ko-KR" sz="2000" b="1" dirty="0" smtClean="0">
+                        <a:rPr lang="en-US" altLang="ko-KR" sz="2000" b="1" dirty="0">
                           <a:solidFill>
                             <a:schemeClr val="bg2">
                               <a:lumMod val="50000"/>
@@ -8375,7 +7894,7 @@
                         <a:tabLst/>
                       </a:pPr>
                       <a:r>
-                        <a:rPr kumimoji="0" lang="en-US" altLang="ko-KR" sz="2000" u="none" strike="noStrike" cap="none" normalizeH="0" baseline="0" dirty="0" smtClean="0">
+                        <a:rPr kumimoji="0" lang="en-US" altLang="ko-KR" sz="2000" u="none" strike="noStrike" cap="none" normalizeH="0" baseline="0" dirty="0">
                           <a:ln>
                             <a:noFill/>
                           </a:ln>
@@ -8388,7 +7907,7 @@
                         </a:rPr>
                         <a:t>40</a:t>
                       </a:r>
-                      <a:endParaRPr kumimoji="0" lang="ko-KR" altLang="en-US" sz="2000" b="1" i="0" u="none" strike="noStrike" cap="none" normalizeH="0" baseline="0" dirty="0" smtClean="0">
+                      <a:endParaRPr kumimoji="0" lang="ko-KR" altLang="en-US" sz="2000" b="1" i="0" u="none" strike="noStrike" cap="none" normalizeH="0" baseline="0" dirty="0">
                         <a:ln>
                           <a:noFill/>
                         </a:ln>
@@ -8431,24 +7950,14 @@
                     <a:p>
                       <a:pPr latinLnBrk="1"/>
                       <a:r>
-                        <a:rPr lang="en-US" altLang="ko-KR" sz="2000" b="1" dirty="0" smtClean="0">
+                        <a:rPr lang="en-US" altLang="ko-KR" sz="2000" b="1" dirty="0">
                           <a:solidFill>
                             <a:schemeClr val="bg2">
                               <a:lumMod val="50000"/>
                             </a:schemeClr>
                           </a:solidFill>
                         </a:rPr>
-                        <a:t>Vehicle mass </a:t>
-                      </a:r>
-                      <a:r>
-                        <a:rPr lang="en-US" altLang="ko-KR" sz="2000" b="1" dirty="0" smtClean="0">
-                          <a:solidFill>
-                            <a:schemeClr val="bg2">
-                              <a:lumMod val="50000"/>
-                            </a:schemeClr>
-                          </a:solidFill>
-                        </a:rPr>
-                        <a:t>[kg]</a:t>
+                        <a:t>Vehicle mass [kg]</a:t>
                       </a:r>
                       <a:endParaRPr lang="ko-KR" altLang="en-US" sz="2000" b="1" dirty="0">
                         <a:solidFill>
@@ -8607,7 +8116,7 @@
                         <a:tabLst/>
                       </a:pPr>
                       <a:r>
-                        <a:rPr kumimoji="0" lang="en-US" altLang="ko-KR" sz="2000" u="none" strike="noStrike" cap="none" normalizeH="0" baseline="0" dirty="0" smtClean="0">
+                        <a:rPr kumimoji="0" lang="en-US" altLang="ko-KR" sz="2000" u="none" strike="noStrike" cap="none" normalizeH="0" baseline="0" dirty="0">
                           <a:ln>
                             <a:noFill/>
                           </a:ln>
@@ -8620,7 +8129,7 @@
                         </a:rPr>
                         <a:t>1200</a:t>
                       </a:r>
-                      <a:endParaRPr kumimoji="0" lang="ko-KR" altLang="en-US" sz="2000" b="1" i="0" u="none" strike="noStrike" cap="none" normalizeH="0" baseline="0" dirty="0" smtClean="0">
+                      <a:endParaRPr kumimoji="0" lang="ko-KR" altLang="en-US" sz="2000" b="1" i="0" u="none" strike="noStrike" cap="none" normalizeH="0" baseline="0" dirty="0">
                         <a:ln>
                           <a:noFill/>
                         </a:ln>
@@ -8663,24 +8172,14 @@
                     <a:p>
                       <a:pPr latinLnBrk="1"/>
                       <a:r>
-                        <a:rPr lang="en-US" altLang="ko-KR" sz="2000" b="1" dirty="0" smtClean="0">
+                        <a:rPr lang="en-US" altLang="ko-KR" sz="2000" b="1" dirty="0">
                           <a:solidFill>
                             <a:schemeClr val="bg2">
                               <a:lumMod val="50000"/>
                             </a:schemeClr>
                           </a:solidFill>
                         </a:rPr>
-                        <a:t>Tire radius </a:t>
-                      </a:r>
-                      <a:r>
-                        <a:rPr lang="en-US" altLang="ko-KR" sz="2000" b="1" dirty="0" smtClean="0">
-                          <a:solidFill>
-                            <a:schemeClr val="bg2">
-                              <a:lumMod val="50000"/>
-                            </a:schemeClr>
-                          </a:solidFill>
-                        </a:rPr>
-                        <a:t>[m]</a:t>
+                        <a:t>Tire radius [m]</a:t>
                       </a:r>
                       <a:endParaRPr lang="ko-KR" altLang="en-US" sz="2000" b="1" dirty="0">
                         <a:solidFill>
@@ -8839,7 +8338,7 @@
                         <a:tabLst/>
                       </a:pPr>
                       <a:r>
-                        <a:rPr kumimoji="0" lang="en-US" altLang="ko-KR" sz="2000" u="none" strike="noStrike" cap="none" normalizeH="0" baseline="0" dirty="0" smtClean="0">
+                        <a:rPr kumimoji="0" lang="en-US" altLang="ko-KR" sz="2000" u="none" strike="noStrike" cap="none" normalizeH="0" baseline="0" dirty="0">
                           <a:ln>
                             <a:noFill/>
                           </a:ln>
@@ -8852,7 +8351,7 @@
                         </a:rPr>
                         <a:t>0.337</a:t>
                       </a:r>
-                      <a:endParaRPr kumimoji="0" lang="ko-KR" altLang="en-US" sz="2000" b="1" i="0" u="none" strike="noStrike" cap="none" normalizeH="0" baseline="0" dirty="0" smtClean="0">
+                      <a:endParaRPr kumimoji="0" lang="ko-KR" altLang="en-US" sz="2000" b="1" i="0" u="none" strike="noStrike" cap="none" normalizeH="0" baseline="0" dirty="0">
                         <a:ln>
                           <a:noFill/>
                         </a:ln>
@@ -8895,7 +8394,7 @@
                     <a:p>
                       <a:pPr latinLnBrk="1"/>
                       <a:r>
-                        <a:rPr lang="en-US" altLang="ko-KR" sz="2000" b="1" dirty="0" smtClean="0">
+                        <a:rPr lang="en-US" altLang="ko-KR" sz="2000" b="1" dirty="0">
                           <a:solidFill>
                             <a:schemeClr val="bg2">
                               <a:lumMod val="50000"/>
@@ -9062,7 +8561,7 @@
                         <a:defRPr/>
                       </a:pPr>
                       <a:r>
-                        <a:rPr kumimoji="0" lang="en-US" altLang="ko-KR" sz="2000" u="none" strike="noStrike" cap="none" normalizeH="0" baseline="0" dirty="0" smtClean="0">
+                        <a:rPr kumimoji="0" lang="en-US" altLang="ko-KR" sz="2000" u="none" strike="noStrike" cap="none" normalizeH="0" baseline="0" dirty="0">
                           <a:ln>
                             <a:noFill/>
                           </a:ln>
@@ -9075,7 +8574,7 @@
                         </a:rPr>
                         <a:t>3.648</a:t>
                       </a:r>
-                      <a:endParaRPr kumimoji="0" lang="ko-KR" altLang="en-US" sz="2000" b="1" i="0" u="none" strike="noStrike" cap="none" normalizeH="0" baseline="0" dirty="0" smtClean="0">
+                      <a:endParaRPr kumimoji="0" lang="ko-KR" altLang="en-US" sz="2000" b="1" i="0" u="none" strike="noStrike" cap="none" normalizeH="0" baseline="0" dirty="0">
                         <a:ln>
                           <a:noFill/>
                         </a:ln>
@@ -9118,7 +8617,7 @@
                     <a:p>
                       <a:pPr latinLnBrk="1"/>
                       <a:r>
-                        <a:rPr lang="en-US" altLang="ko-KR" sz="2000" b="1" dirty="0" smtClean="0">
+                        <a:rPr lang="en-US" altLang="ko-KR" sz="2000" b="1" dirty="0">
                           <a:solidFill>
                             <a:schemeClr val="bg2">
                               <a:lumMod val="50000"/>
@@ -9284,7 +8783,7 @@
                         <a:tabLst/>
                       </a:pPr>
                       <a:r>
-                        <a:rPr kumimoji="0" lang="en-US" altLang="ko-KR" sz="2000" u="none" strike="noStrike" cap="none" normalizeH="0" baseline="0" dirty="0" smtClean="0">
+                        <a:rPr kumimoji="0" lang="en-US" altLang="ko-KR" sz="2000" u="none" strike="noStrike" cap="none" normalizeH="0" baseline="0" dirty="0">
                           <a:ln>
                             <a:noFill/>
                           </a:ln>
@@ -9297,7 +8796,7 @@
                         </a:rPr>
                         <a:t>0.6</a:t>
                       </a:r>
-                      <a:endParaRPr kumimoji="0" lang="ko-KR" altLang="en-US" sz="2000" b="1" i="0" u="none" strike="noStrike" cap="none" normalizeH="0" baseline="0" dirty="0" smtClean="0">
+                      <a:endParaRPr kumimoji="0" lang="ko-KR" altLang="en-US" sz="2000" b="1" i="0" u="none" strike="noStrike" cap="none" normalizeH="0" baseline="0" dirty="0">
                         <a:ln>
                           <a:noFill/>
                         </a:ln>
@@ -9346,8 +8845,8 @@
         </p:nvSpPr>
         <p:spPr bwMode="auto">
           <a:xfrm>
-            <a:off x="567674" y="23627588"/>
-            <a:ext cx="14642192" cy="3847207"/>
+            <a:off x="567674" y="23350589"/>
+            <a:ext cx="14642192" cy="4401205"/>
           </a:xfrm>
           <a:prstGeom prst="rect">
             <a:avLst/>
@@ -9496,7 +8995,7 @@
               </a:lnSpc>
             </a:pPr>
             <a:r>
-              <a:rPr lang="en-US" altLang="ko-KR" sz="2800" b="1" dirty="0" smtClean="0">
+              <a:rPr lang="en-US" altLang="ko-KR" sz="2800" b="1" dirty="0">
                 <a:solidFill>
                   <a:schemeClr val="bg1"/>
                 </a:solidFill>
@@ -9527,17 +9026,26 @@
                 <a:latin typeface="Arial" pitchFamily="34" charset="0"/>
                 <a:ea typeface="맑은 고딕" panose="020B0503020000020004" pitchFamily="50" charset="-127"/>
               </a:rPr>
-              <a:t>When all driving information is given, the ECMS shows a performance close to the global </a:t>
-            </a:r>
-            <a:r>
-              <a:rPr kumimoji="0" lang="en-US" altLang="ko-KR" sz="2400" b="1" dirty="0" smtClean="0">
+              <a:t>When all driving information is given, the ECMS shows a performance close </a:t>
+            </a:r>
+            <a:br>
+              <a:rPr kumimoji="0" lang="en-US" altLang="ko-KR" sz="2400" b="1" dirty="0">
                 <a:solidFill>
                   <a:prstClr val="white"/>
                 </a:solidFill>
                 <a:latin typeface="Arial" pitchFamily="34" charset="0"/>
                 <a:ea typeface="맑은 고딕" panose="020B0503020000020004" pitchFamily="50" charset="-127"/>
               </a:rPr>
-              <a:t>optimum</a:t>
+            </a:br>
+            <a:r>
+              <a:rPr kumimoji="0" lang="en-US" altLang="ko-KR" sz="2400" b="1" dirty="0">
+                <a:solidFill>
+                  <a:prstClr val="white"/>
+                </a:solidFill>
+                <a:latin typeface="Arial" pitchFamily="34" charset="0"/>
+                <a:ea typeface="맑은 고딕" panose="020B0503020000020004" pitchFamily="50" charset="-127"/>
+              </a:rPr>
+              <a:t>to the global optimum</a:t>
             </a:r>
           </a:p>
           <a:p>
@@ -9561,34 +9069,24 @@
                 </a:solidFill>
                 <a:latin typeface="Arial" pitchFamily="34" charset="0"/>
               </a:rPr>
-              <a:t>We test the validity of the AC model </a:t>
-            </a:r>
-            <a:r>
-              <a:rPr lang="en-US" altLang="ko-KR" sz="2400" b="1" dirty="0" smtClean="0">
-                <a:solidFill>
-                  <a:schemeClr val="bg1"/>
-                </a:solidFill>
-                <a:latin typeface="Arial" pitchFamily="34" charset="0"/>
-              </a:rPr>
-              <a:t>through </a:t>
-            </a:r>
-            <a:r>
+              <a:t>We test the validity of the AC model through ECMS results given all driving </a:t>
+            </a:r>
+            <a:br>
               <a:rPr lang="en-US" altLang="ko-KR" sz="2400" b="1" dirty="0">
                 <a:solidFill>
                   <a:schemeClr val="bg1"/>
                 </a:solidFill>
                 <a:latin typeface="Arial" pitchFamily="34" charset="0"/>
               </a:rPr>
-              <a:t>ECMS results given all driving information</a:t>
-            </a:r>
-            <a:r>
-              <a:rPr lang="en-US" altLang="ko-KR" sz="2400" b="1" dirty="0" smtClean="0">
+            </a:br>
+            <a:r>
+              <a:rPr lang="en-US" altLang="ko-KR" sz="2400" b="1" dirty="0">
                 <a:solidFill>
                   <a:schemeClr val="bg1"/>
                 </a:solidFill>
                 <a:latin typeface="Arial" pitchFamily="34" charset="0"/>
               </a:rPr>
-              <a:t>.</a:t>
+              <a:t>information.</a:t>
             </a:r>
           </a:p>
           <a:p>
@@ -9606,16 +9104,7 @@
                 </a:solidFill>
                 <a:latin typeface="Arial" pitchFamily="34" charset="0"/>
               </a:rPr>
-              <a:t>We confirm that our model shows results corresponding to </a:t>
-            </a:r>
-            <a:r>
-              <a:rPr lang="en-US" altLang="ko-KR" sz="2400" b="1" dirty="0" smtClean="0">
-                <a:solidFill>
-                  <a:schemeClr val="bg1"/>
-                </a:solidFill>
-                <a:latin typeface="Arial" pitchFamily="34" charset="0"/>
-              </a:rPr>
-              <a:t>ECMS</a:t>
+              <a:t>We confirm that our model shows results corresponding to ECMS</a:t>
             </a:r>
             <a:endParaRPr lang="en-US" altLang="ko-KR" sz="2800" b="1" dirty="0">
               <a:solidFill>
@@ -9629,7 +9118,7 @@
               <a:buFontTx/>
               <a:buAutoNum type="alphaUcPeriod" startAt="2"/>
             </a:pPr>
-            <a:endParaRPr lang="en-US" altLang="ko-KR" sz="2800" b="1" dirty="0" smtClean="0">
+            <a:endParaRPr lang="en-US" altLang="ko-KR" sz="2800" b="1" dirty="0">
               <a:solidFill>
                 <a:schemeClr val="bg1"/>
               </a:solidFill>
@@ -9652,7 +9141,7 @@
             <a:pPr marL="514350" indent="-514350">
               <a:buAutoNum type="alphaUcPeriod" startAt="2"/>
             </a:pPr>
-            <a:endParaRPr lang="en-US" altLang="ko-KR" sz="1800" b="1" dirty="0" smtClean="0">
+            <a:endParaRPr lang="en-US" altLang="ko-KR" sz="1800" b="1" dirty="0">
               <a:solidFill>
                 <a:schemeClr val="bg1"/>
               </a:solidFill>
@@ -9661,6 +9150,1641 @@
           </a:p>
         </p:txBody>
       </p:sp>
+      <p:pic>
+        <p:nvPicPr>
+          <p:cNvPr id="70" name="그림 69" descr="텍스트, 지도이(가) 표시된 사진&#10;&#10;자동 생성된 설명">
+            <a:extLst>
+              <a:ext uri="{FF2B5EF4-FFF2-40B4-BE49-F238E27FC236}">
+                <a16:creationId xmlns:a16="http://schemas.microsoft.com/office/drawing/2014/main" id="{207FFE30-14AF-41E8-AB97-6B89CCCFAB3D}"/>
+              </a:ext>
+            </a:extLst>
+          </p:cNvPr>
+          <p:cNvPicPr>
+            <a:picLocks noChangeAspect="1"/>
+          </p:cNvPicPr>
+          <p:nvPr/>
+        </p:nvPicPr>
+        <p:blipFill>
+          <a:blip r:embed="rId4">
+            <a:extLst>
+              <a:ext uri="{28A0092B-C50C-407E-A947-70E740481C1C}">
+                <a14:useLocalDpi xmlns:a14="http://schemas.microsoft.com/office/drawing/2010/main" val="0"/>
+              </a:ext>
+            </a:extLst>
+          </a:blip>
+          <a:stretch>
+            <a:fillRect/>
+          </a:stretch>
+        </p:blipFill>
+        <p:spPr>
+          <a:xfrm>
+            <a:off x="13201499" y="24196397"/>
+            <a:ext cx="7886169" cy="2368872"/>
+          </a:xfrm>
+          <a:prstGeom prst="rect">
+            <a:avLst/>
+          </a:prstGeom>
+        </p:spPr>
+      </p:pic>
+      <p:pic>
+        <p:nvPicPr>
+          <p:cNvPr id="13" name="그림 12">
+            <a:extLst>
+              <a:ext uri="{FF2B5EF4-FFF2-40B4-BE49-F238E27FC236}">
+                <a16:creationId xmlns:a16="http://schemas.microsoft.com/office/drawing/2014/main" id="{947D4C31-10A9-4B69-BDD0-87BF4576DF21}"/>
+              </a:ext>
+            </a:extLst>
+          </p:cNvPr>
+          <p:cNvPicPr>
+            <a:picLocks noChangeAspect="1"/>
+          </p:cNvPicPr>
+          <p:nvPr/>
+        </p:nvPicPr>
+        <p:blipFill>
+          <a:blip r:embed="rId5"/>
+          <a:stretch>
+            <a:fillRect/>
+          </a:stretch>
+        </p:blipFill>
+        <p:spPr>
+          <a:xfrm>
+            <a:off x="922979" y="26979618"/>
+            <a:ext cx="5287331" cy="2645759"/>
+          </a:xfrm>
+          <a:prstGeom prst="rect">
+            <a:avLst/>
+          </a:prstGeom>
+        </p:spPr>
+      </p:pic>
+      <p:graphicFrame>
+        <p:nvGraphicFramePr>
+          <p:cNvPr id="110" name="표 109">
+            <a:extLst>
+              <a:ext uri="{FF2B5EF4-FFF2-40B4-BE49-F238E27FC236}">
+                <a16:creationId xmlns:a16="http://schemas.microsoft.com/office/drawing/2014/main" id="{43C03AF3-8AEA-4042-8CA7-FDB780C3C715}"/>
+              </a:ext>
+            </a:extLst>
+          </p:cNvPr>
+          <p:cNvGraphicFramePr>
+            <a:graphicFrameLocks noGrp="1"/>
+          </p:cNvGraphicFramePr>
+          <p:nvPr>
+            <p:extLst>
+              <p:ext uri="{D42A27DB-BD31-4B8C-83A1-F6EECF244321}">
+                <p14:modId xmlns:p14="http://schemas.microsoft.com/office/powerpoint/2010/main" val="3358439182"/>
+              </p:ext>
+            </p:extLst>
+          </p:nvPr>
+        </p:nvGraphicFramePr>
+        <p:xfrm>
+          <a:off x="6457318" y="26973617"/>
+          <a:ext cx="4947282" cy="2651760"/>
+        </p:xfrm>
+        <a:graphic>
+          <a:graphicData uri="http://schemas.openxmlformats.org/drawingml/2006/table">
+            <a:tbl>
+              <a:tblPr firstRow="1" bandRow="1">
+                <a:tableStyleId>{7DF18680-E054-41AD-8BC1-D1AEF772440D}</a:tableStyleId>
+              </a:tblPr>
+              <a:tblGrid>
+                <a:gridCol w="2431285">
+                  <a:extLst>
+                    <a:ext uri="{9D8B030D-6E8A-4147-A177-3AD203B41FA5}">
+                      <a16:colId xmlns:a16="http://schemas.microsoft.com/office/drawing/2014/main" val="3726243108"/>
+                    </a:ext>
+                  </a:extLst>
+                </a:gridCol>
+                <a:gridCol w="1169494">
+                  <a:extLst>
+                    <a:ext uri="{9D8B030D-6E8A-4147-A177-3AD203B41FA5}">
+                      <a16:colId xmlns:a16="http://schemas.microsoft.com/office/drawing/2014/main" val="472462486"/>
+                    </a:ext>
+                  </a:extLst>
+                </a:gridCol>
+                <a:gridCol w="1346503">
+                  <a:extLst>
+                    <a:ext uri="{9D8B030D-6E8A-4147-A177-3AD203B41FA5}">
+                      <a16:colId xmlns:a16="http://schemas.microsoft.com/office/drawing/2014/main" val="4076666659"/>
+                    </a:ext>
+                  </a:extLst>
+                </a:gridCol>
+              </a:tblGrid>
+              <a:tr h="269787">
+                <a:tc>
+                  <a:txBody>
+                    <a:bodyPr/>
+                    <a:lstStyle/>
+                    <a:p>
+                      <a:pPr algn="ctr" latinLnBrk="1"/>
+                      <a:endParaRPr lang="ko-KR" altLang="en-US" sz="1400" dirty="0"/>
+                    </a:p>
+                  </a:txBody>
+                  <a:tcPr/>
+                </a:tc>
+                <a:tc>
+                  <a:txBody>
+                    <a:bodyPr/>
+                    <a:lstStyle/>
+                    <a:p>
+                      <a:pPr algn="ctr" latinLnBrk="1"/>
+                      <a:r>
+                        <a:rPr lang="en-US" altLang="ko-KR" sz="1600" dirty="0"/>
+                        <a:t>AC</a:t>
+                      </a:r>
+                      <a:endParaRPr lang="ko-KR" altLang="en-US" sz="1600" dirty="0"/>
+                    </a:p>
+                  </a:txBody>
+                  <a:tcPr/>
+                </a:tc>
+                <a:tc>
+                  <a:txBody>
+                    <a:bodyPr/>
+                    <a:lstStyle/>
+                    <a:p>
+                      <a:pPr algn="ctr" latinLnBrk="1"/>
+                      <a:r>
+                        <a:rPr lang="en-US" altLang="ko-KR" sz="1600" dirty="0"/>
+                        <a:t>ECMS</a:t>
+                      </a:r>
+                      <a:endParaRPr lang="ko-KR" altLang="en-US" sz="1600" dirty="0"/>
+                    </a:p>
+                  </a:txBody>
+                  <a:tcPr/>
+                </a:tc>
+                <a:extLst>
+                  <a:ext uri="{0D108BD9-81ED-4DB2-BD59-A6C34878D82A}">
+                    <a16:rowId xmlns:a16="http://schemas.microsoft.com/office/drawing/2014/main" val="1506054158"/>
+                  </a:ext>
+                </a:extLst>
+              </a:tr>
+              <a:tr h="382690">
+                <a:tc>
+                  <a:txBody>
+                    <a:bodyPr/>
+                    <a:lstStyle/>
+                    <a:p>
+                      <a:pPr algn="ctr" latinLnBrk="1"/>
+                      <a:r>
+                        <a:rPr lang="en-US" altLang="ko-KR" sz="1600" b="1" dirty="0">
+                          <a:solidFill>
+                            <a:srgbClr val="767171"/>
+                          </a:solidFill>
+                        </a:rPr>
+                        <a:t>Number of wins </a:t>
+                      </a:r>
+                      <a:endParaRPr lang="ko-KR" altLang="en-US" sz="1600" b="1" i="0" dirty="0">
+                        <a:solidFill>
+                          <a:srgbClr val="767171"/>
+                        </a:solidFill>
+                      </a:endParaRPr>
+                    </a:p>
+                  </a:txBody>
+                  <a:tcPr anchor="ctr"/>
+                </a:tc>
+                <a:tc>
+                  <a:txBody>
+                    <a:bodyPr/>
+                    <a:lstStyle/>
+                    <a:p>
+                      <a:pPr algn="ctr" latinLnBrk="1"/>
+                      <a:r>
+                        <a:rPr lang="en-US" altLang="ko-KR" sz="1600" b="1" dirty="0">
+                          <a:solidFill>
+                            <a:srgbClr val="767171"/>
+                          </a:solidFill>
+                        </a:rPr>
+                        <a:t>3 / 72</a:t>
+                      </a:r>
+                    </a:p>
+                    <a:p>
+                      <a:pPr algn="ctr" latinLnBrk="1"/>
+                      <a:r>
+                        <a:rPr lang="en-US" altLang="ko-KR" sz="1600" b="1" dirty="0">
+                          <a:solidFill>
+                            <a:srgbClr val="767171"/>
+                          </a:solidFill>
+                        </a:rPr>
+                        <a:t>(4.2%) </a:t>
+                      </a:r>
+                      <a:endParaRPr lang="ko-KR" altLang="en-US" sz="1600" b="1" dirty="0">
+                        <a:solidFill>
+                          <a:srgbClr val="767171"/>
+                        </a:solidFill>
+                      </a:endParaRPr>
+                    </a:p>
+                  </a:txBody>
+                  <a:tcPr anchor="ctr"/>
+                </a:tc>
+                <a:tc>
+                  <a:txBody>
+                    <a:bodyPr/>
+                    <a:lstStyle/>
+                    <a:p>
+                      <a:pPr algn="ctr" latinLnBrk="1"/>
+                      <a:r>
+                        <a:rPr lang="en-US" altLang="ko-KR" sz="1600" b="1" dirty="0">
+                          <a:solidFill>
+                            <a:srgbClr val="767171"/>
+                          </a:solidFill>
+                        </a:rPr>
+                        <a:t>69 / 72</a:t>
+                      </a:r>
+                    </a:p>
+                    <a:p>
+                      <a:pPr algn="ctr" latinLnBrk="1"/>
+                      <a:r>
+                        <a:rPr lang="en-US" altLang="ko-KR" sz="1600" b="1" dirty="0">
+                          <a:solidFill>
+                            <a:srgbClr val="767171"/>
+                          </a:solidFill>
+                        </a:rPr>
+                        <a:t>(95.8%)</a:t>
+                      </a:r>
+                      <a:endParaRPr lang="ko-KR" altLang="en-US" sz="1600" b="1" dirty="0">
+                        <a:solidFill>
+                          <a:srgbClr val="767171"/>
+                        </a:solidFill>
+                      </a:endParaRPr>
+                    </a:p>
+                  </a:txBody>
+                  <a:tcPr anchor="ctr"/>
+                </a:tc>
+                <a:extLst>
+                  <a:ext uri="{0D108BD9-81ED-4DB2-BD59-A6C34878D82A}">
+                    <a16:rowId xmlns:a16="http://schemas.microsoft.com/office/drawing/2014/main" val="3431661599"/>
+                  </a:ext>
+                </a:extLst>
+              </a:tr>
+              <a:tr h="382690">
+                <a:tc>
+                  <a:txBody>
+                    <a:bodyPr/>
+                    <a:lstStyle/>
+                    <a:p>
+                      <a:pPr algn="ctr" latinLnBrk="1"/>
+                      <a:r>
+                        <a:rPr lang="en-US" altLang="ko-KR" sz="1600" b="1" dirty="0">
+                          <a:solidFill>
+                            <a:srgbClr val="767171"/>
+                          </a:solidFill>
+                        </a:rPr>
+                        <a:t>Biggest difference with ECMS (%)</a:t>
+                      </a:r>
+                      <a:endParaRPr lang="ko-KR" altLang="en-US" sz="1600" b="1" i="0" dirty="0">
+                        <a:solidFill>
+                          <a:srgbClr val="767171"/>
+                        </a:solidFill>
+                      </a:endParaRPr>
+                    </a:p>
+                  </a:txBody>
+                  <a:tcPr anchor="ctr"/>
+                </a:tc>
+                <a:tc>
+                  <a:txBody>
+                    <a:bodyPr/>
+                    <a:lstStyle/>
+                    <a:p>
+                      <a:pPr algn="ctr" latinLnBrk="1"/>
+                      <a:r>
+                        <a:rPr lang="en-US" altLang="ko-KR" sz="1600" b="1" dirty="0">
+                          <a:solidFill>
+                            <a:srgbClr val="767171"/>
+                          </a:solidFill>
+                        </a:rPr>
+                        <a:t>+0.902</a:t>
+                      </a:r>
+                      <a:endParaRPr lang="ko-KR" altLang="en-US" sz="1600" b="1" dirty="0">
+                        <a:solidFill>
+                          <a:srgbClr val="767171"/>
+                        </a:solidFill>
+                      </a:endParaRPr>
+                    </a:p>
+                  </a:txBody>
+                  <a:tcPr anchor="ctr"/>
+                </a:tc>
+                <a:tc>
+                  <a:txBody>
+                    <a:bodyPr/>
+                    <a:lstStyle/>
+                    <a:p>
+                      <a:pPr algn="ctr" latinLnBrk="1"/>
+                      <a:r>
+                        <a:rPr lang="en-US" altLang="ko-KR" sz="1600" b="1" dirty="0">
+                          <a:solidFill>
+                            <a:srgbClr val="767171"/>
+                          </a:solidFill>
+                        </a:rPr>
+                        <a:t>-</a:t>
+                      </a:r>
+                      <a:endParaRPr lang="ko-KR" altLang="en-US" sz="1600" b="1" dirty="0">
+                        <a:solidFill>
+                          <a:srgbClr val="767171"/>
+                        </a:solidFill>
+                      </a:endParaRPr>
+                    </a:p>
+                  </a:txBody>
+                  <a:tcPr anchor="ctr"/>
+                </a:tc>
+                <a:extLst>
+                  <a:ext uri="{0D108BD9-81ED-4DB2-BD59-A6C34878D82A}">
+                    <a16:rowId xmlns:a16="http://schemas.microsoft.com/office/drawing/2014/main" val="1659154260"/>
+                  </a:ext>
+                </a:extLst>
+              </a:tr>
+              <a:tr h="424733">
+                <a:tc>
+                  <a:txBody>
+                    <a:bodyPr/>
+                    <a:lstStyle/>
+                    <a:p>
+                      <a:pPr marL="0" marR="0" lvl="0" indent="0" algn="ctr" defTabSz="914377" rtl="0" eaLnBrk="1" fontAlgn="auto" latinLnBrk="1" hangingPunct="1">
+                        <a:lnSpc>
+                          <a:spcPct val="100000"/>
+                        </a:lnSpc>
+                        <a:spcBef>
+                          <a:spcPts val="0"/>
+                        </a:spcBef>
+                        <a:spcAft>
+                          <a:spcPts val="0"/>
+                        </a:spcAft>
+                        <a:buClrTx/>
+                        <a:buSzTx/>
+                        <a:buFontTx/>
+                        <a:buNone/>
+                        <a:tabLst/>
+                        <a:defRPr/>
+                      </a:pPr>
+                      <a:r>
+                        <a:rPr lang="en-US" altLang="ko-KR" sz="1600" b="1" dirty="0">
+                          <a:solidFill>
+                            <a:srgbClr val="767171"/>
+                          </a:solidFill>
+                        </a:rPr>
+                        <a:t>Lowest difference with ECMS (%)</a:t>
+                      </a:r>
+                      <a:endParaRPr lang="ko-KR" altLang="en-US" sz="1600" b="1" i="0" dirty="0">
+                        <a:solidFill>
+                          <a:srgbClr val="767171"/>
+                        </a:solidFill>
+                      </a:endParaRPr>
+                    </a:p>
+                  </a:txBody>
+                  <a:tcPr anchor="ctr"/>
+                </a:tc>
+                <a:tc>
+                  <a:txBody>
+                    <a:bodyPr/>
+                    <a:lstStyle/>
+                    <a:p>
+                      <a:pPr algn="ctr" latinLnBrk="1"/>
+                      <a:r>
+                        <a:rPr lang="en-US" altLang="ko-KR" sz="1600" b="1" dirty="0">
+                          <a:solidFill>
+                            <a:srgbClr val="767171"/>
+                          </a:solidFill>
+                        </a:rPr>
+                        <a:t>-0.303</a:t>
+                      </a:r>
+                      <a:endParaRPr lang="ko-KR" altLang="en-US" sz="1600" b="1" dirty="0">
+                        <a:solidFill>
+                          <a:srgbClr val="767171"/>
+                        </a:solidFill>
+                      </a:endParaRPr>
+                    </a:p>
+                  </a:txBody>
+                  <a:tcPr anchor="ctr"/>
+                </a:tc>
+                <a:tc>
+                  <a:txBody>
+                    <a:bodyPr/>
+                    <a:lstStyle/>
+                    <a:p>
+                      <a:pPr algn="ctr" latinLnBrk="1"/>
+                      <a:r>
+                        <a:rPr lang="en-US" altLang="ko-KR" sz="1600" b="1" dirty="0">
+                          <a:solidFill>
+                            <a:srgbClr val="767171"/>
+                          </a:solidFill>
+                        </a:rPr>
+                        <a:t>-</a:t>
+                      </a:r>
+                      <a:endParaRPr lang="ko-KR" altLang="en-US" sz="1600" b="1" dirty="0">
+                        <a:solidFill>
+                          <a:srgbClr val="767171"/>
+                        </a:solidFill>
+                      </a:endParaRPr>
+                    </a:p>
+                  </a:txBody>
+                  <a:tcPr anchor="ctr"/>
+                </a:tc>
+                <a:extLst>
+                  <a:ext uri="{0D108BD9-81ED-4DB2-BD59-A6C34878D82A}">
+                    <a16:rowId xmlns:a16="http://schemas.microsoft.com/office/drawing/2014/main" val="2613242488"/>
+                  </a:ext>
+                </a:extLst>
+              </a:tr>
+              <a:tr h="382690">
+                <a:tc>
+                  <a:txBody>
+                    <a:bodyPr/>
+                    <a:lstStyle/>
+                    <a:p>
+                      <a:pPr algn="ctr" latinLnBrk="1"/>
+                      <a:r>
+                        <a:rPr lang="en-US" altLang="ko-KR" sz="1600" b="1" dirty="0">
+                          <a:solidFill>
+                            <a:srgbClr val="767171"/>
+                          </a:solidFill>
+                        </a:rPr>
+                        <a:t>Average difference with ECMS (%)</a:t>
+                      </a:r>
+                      <a:endParaRPr lang="ko-KR" altLang="en-US" sz="1600" b="1" i="0" dirty="0">
+                        <a:solidFill>
+                          <a:srgbClr val="767171"/>
+                        </a:solidFill>
+                      </a:endParaRPr>
+                    </a:p>
+                  </a:txBody>
+                  <a:tcPr anchor="ctr"/>
+                </a:tc>
+                <a:tc>
+                  <a:txBody>
+                    <a:bodyPr/>
+                    <a:lstStyle/>
+                    <a:p>
+                      <a:pPr algn="ctr" latinLnBrk="1"/>
+                      <a:r>
+                        <a:rPr lang="en-US" altLang="ko-KR" sz="1600" b="1" dirty="0">
+                          <a:solidFill>
+                            <a:srgbClr val="767171"/>
+                          </a:solidFill>
+                        </a:rPr>
+                        <a:t>+0.527</a:t>
+                      </a:r>
+                      <a:endParaRPr lang="ko-KR" altLang="en-US" sz="1600" b="1" dirty="0">
+                        <a:solidFill>
+                          <a:srgbClr val="767171"/>
+                        </a:solidFill>
+                      </a:endParaRPr>
+                    </a:p>
+                  </a:txBody>
+                  <a:tcPr anchor="ctr"/>
+                </a:tc>
+                <a:tc>
+                  <a:txBody>
+                    <a:bodyPr/>
+                    <a:lstStyle/>
+                    <a:p>
+                      <a:pPr algn="ctr" latinLnBrk="1"/>
+                      <a:r>
+                        <a:rPr lang="en-US" altLang="ko-KR" sz="1600" b="1" dirty="0">
+                          <a:solidFill>
+                            <a:srgbClr val="767171"/>
+                          </a:solidFill>
+                        </a:rPr>
+                        <a:t>-</a:t>
+                      </a:r>
+                      <a:endParaRPr lang="ko-KR" altLang="en-US" sz="1600" b="1" dirty="0">
+                        <a:solidFill>
+                          <a:srgbClr val="767171"/>
+                        </a:solidFill>
+                      </a:endParaRPr>
+                    </a:p>
+                  </a:txBody>
+                  <a:tcPr anchor="ctr"/>
+                </a:tc>
+                <a:extLst>
+                  <a:ext uri="{0D108BD9-81ED-4DB2-BD59-A6C34878D82A}">
+                    <a16:rowId xmlns:a16="http://schemas.microsoft.com/office/drawing/2014/main" val="287615037"/>
+                  </a:ext>
+                </a:extLst>
+              </a:tr>
+            </a:tbl>
+          </a:graphicData>
+        </a:graphic>
+      </p:graphicFrame>
+      <p:pic>
+        <p:nvPicPr>
+          <p:cNvPr id="111" name="그림 110" descr="텍스트, 지도이(가) 표시된 사진&#10;&#10;자동 생성된 설명">
+            <a:extLst>
+              <a:ext uri="{FF2B5EF4-FFF2-40B4-BE49-F238E27FC236}">
+                <a16:creationId xmlns:a16="http://schemas.microsoft.com/office/drawing/2014/main" id="{919DB1A0-0BD5-4753-8461-B3EC283C9512}"/>
+              </a:ext>
+            </a:extLst>
+          </p:cNvPr>
+          <p:cNvPicPr>
+            <a:picLocks noChangeAspect="1"/>
+          </p:cNvPicPr>
+          <p:nvPr/>
+        </p:nvPicPr>
+        <p:blipFill>
+          <a:blip r:embed="rId6">
+            <a:extLst>
+              <a:ext uri="{28A0092B-C50C-407E-A947-70E740481C1C}">
+                <a14:useLocalDpi xmlns:a14="http://schemas.microsoft.com/office/drawing/2010/main" val="0"/>
+              </a:ext>
+            </a:extLst>
+          </a:blip>
+          <a:stretch>
+            <a:fillRect/>
+          </a:stretch>
+        </p:blipFill>
+        <p:spPr>
+          <a:xfrm>
+            <a:off x="11542396" y="26743042"/>
+            <a:ext cx="5402579" cy="2895155"/>
+          </a:xfrm>
+          <a:prstGeom prst="rect">
+            <a:avLst/>
+          </a:prstGeom>
+        </p:spPr>
+      </p:pic>
+      <mc:AlternateContent xmlns:mc="http://schemas.openxmlformats.org/markup-compatibility/2006">
+        <mc:Choice xmlns:a14="http://schemas.microsoft.com/office/drawing/2010/main" Requires="a14">
+          <p:graphicFrame>
+            <p:nvGraphicFramePr>
+              <p:cNvPr id="112" name="표 111">
+                <a:extLst>
+                  <a:ext uri="{FF2B5EF4-FFF2-40B4-BE49-F238E27FC236}">
+                    <a16:creationId xmlns:a16="http://schemas.microsoft.com/office/drawing/2014/main" id="{6E4AEF2E-0AFF-4924-82D8-DDA44F1E2756}"/>
+                  </a:ext>
+                </a:extLst>
+              </p:cNvPr>
+              <p:cNvGraphicFramePr>
+                <a:graphicFrameLocks noGrp="1"/>
+              </p:cNvGraphicFramePr>
+              <p:nvPr>
+                <p:extLst>
+                  <p:ext uri="{D42A27DB-BD31-4B8C-83A1-F6EECF244321}">
+                    <p14:modId xmlns:p14="http://schemas.microsoft.com/office/powerpoint/2010/main" val="31205993"/>
+                  </p:ext>
+                </p:extLst>
+              </p:nvPr>
+            </p:nvGraphicFramePr>
+            <p:xfrm>
+              <a:off x="17093944" y="27147335"/>
+              <a:ext cx="4005566" cy="2304323"/>
+            </p:xfrm>
+            <a:graphic>
+              <a:graphicData uri="http://schemas.openxmlformats.org/drawingml/2006/table">
+                <a:tbl>
+                  <a:tblPr firstRow="1" bandRow="1">
+                    <a:tableStyleId>{7DF18680-E054-41AD-8BC1-D1AEF772440D}</a:tableStyleId>
+                  </a:tblPr>
+                  <a:tblGrid>
+                    <a:gridCol w="1605948">
+                      <a:extLst>
+                        <a:ext uri="{9D8B030D-6E8A-4147-A177-3AD203B41FA5}">
+                          <a16:colId xmlns:a16="http://schemas.microsoft.com/office/drawing/2014/main" val="3726243108"/>
+                        </a:ext>
+                      </a:extLst>
+                    </a:gridCol>
+                    <a:gridCol w="1181100">
+                      <a:extLst>
+                        <a:ext uri="{9D8B030D-6E8A-4147-A177-3AD203B41FA5}">
+                          <a16:colId xmlns:a16="http://schemas.microsoft.com/office/drawing/2014/main" val="472462486"/>
+                        </a:ext>
+                      </a:extLst>
+                    </a:gridCol>
+                    <a:gridCol w="1218518">
+                      <a:extLst>
+                        <a:ext uri="{9D8B030D-6E8A-4147-A177-3AD203B41FA5}">
+                          <a16:colId xmlns:a16="http://schemas.microsoft.com/office/drawing/2014/main" val="4076666659"/>
+                        </a:ext>
+                      </a:extLst>
+                    </a:gridCol>
+                  </a:tblGrid>
+                  <a:tr h="269787">
+                    <a:tc>
+                      <a:txBody>
+                        <a:bodyPr/>
+                        <a:lstStyle/>
+                        <a:p>
+                          <a:pPr algn="ctr" latinLnBrk="1"/>
+                          <a:endParaRPr lang="ko-KR" altLang="en-US" sz="1400" dirty="0"/>
+                        </a:p>
+                      </a:txBody>
+                      <a:tcPr/>
+                    </a:tc>
+                    <a:tc>
+                      <a:txBody>
+                        <a:bodyPr/>
+                        <a:lstStyle/>
+                        <a:p>
+                          <a:pPr algn="ctr" latinLnBrk="1"/>
+                          <a:r>
+                            <a:rPr lang="en-US" altLang="ko-KR" sz="1400" dirty="0"/>
+                            <a:t>Agent 1 </a:t>
+                          </a:r>
+                        </a:p>
+                        <a:p>
+                          <a:pPr algn="ctr" latinLnBrk="1"/>
+                          <a:r>
+                            <a:rPr lang="en-US" altLang="ko-KR" sz="1400" dirty="0"/>
+                            <a:t>(Ignore degradation)</a:t>
+                          </a:r>
+                          <a:endParaRPr lang="ko-KR" altLang="en-US" sz="1400" dirty="0"/>
+                        </a:p>
+                      </a:txBody>
+                      <a:tcPr/>
+                    </a:tc>
+                    <a:tc>
+                      <a:txBody>
+                        <a:bodyPr/>
+                        <a:lstStyle/>
+                        <a:p>
+                          <a:pPr marL="0" marR="0" lvl="0" indent="0" algn="ctr" defTabSz="2138324" rtl="0" eaLnBrk="1" fontAlgn="auto" latinLnBrk="1" hangingPunct="1">
+                            <a:lnSpc>
+                              <a:spcPct val="100000"/>
+                            </a:lnSpc>
+                            <a:spcBef>
+                              <a:spcPts val="0"/>
+                            </a:spcBef>
+                            <a:spcAft>
+                              <a:spcPts val="0"/>
+                            </a:spcAft>
+                            <a:buClrTx/>
+                            <a:buSzTx/>
+                            <a:buFontTx/>
+                            <a:buNone/>
+                            <a:tabLst/>
+                            <a:defRPr/>
+                          </a:pPr>
+                          <a:r>
+                            <a:rPr kumimoji="0" lang="en-US" altLang="ko-KR" sz="1400" b="1" i="0" u="none" strike="noStrike" kern="1200" cap="none" spc="0" normalizeH="0" baseline="0" noProof="0" dirty="0">
+                              <a:ln>
+                                <a:noFill/>
+                              </a:ln>
+                              <a:solidFill>
+                                <a:prstClr val="white"/>
+                              </a:solidFill>
+                              <a:effectLst/>
+                              <a:uLnTx/>
+                              <a:uFillTx/>
+                              <a:latin typeface="+mn-lt"/>
+                              <a:ea typeface="+mn-ea"/>
+                              <a:cs typeface="+mn-cs"/>
+                            </a:rPr>
+                            <a:t>Agent 2 </a:t>
+                          </a:r>
+                        </a:p>
+                        <a:p>
+                          <a:pPr marL="0" marR="0" lvl="0" indent="0" algn="ctr" defTabSz="2138324" rtl="0" eaLnBrk="1" fontAlgn="auto" latinLnBrk="1" hangingPunct="1">
+                            <a:lnSpc>
+                              <a:spcPct val="100000"/>
+                            </a:lnSpc>
+                            <a:spcBef>
+                              <a:spcPts val="0"/>
+                            </a:spcBef>
+                            <a:spcAft>
+                              <a:spcPts val="0"/>
+                            </a:spcAft>
+                            <a:buClrTx/>
+                            <a:buSzTx/>
+                            <a:buFontTx/>
+                            <a:buNone/>
+                            <a:tabLst/>
+                            <a:defRPr/>
+                          </a:pPr>
+                          <a:r>
+                            <a:rPr kumimoji="0" lang="en-US" altLang="ko-KR" sz="1400" b="1" i="0" u="none" strike="noStrike" kern="1200" cap="none" spc="0" normalizeH="0" baseline="0" noProof="0" dirty="0">
+                              <a:ln>
+                                <a:noFill/>
+                              </a:ln>
+                              <a:solidFill>
+                                <a:prstClr val="white"/>
+                              </a:solidFill>
+                              <a:effectLst/>
+                              <a:uLnTx/>
+                              <a:uFillTx/>
+                              <a:latin typeface="+mn-lt"/>
+                              <a:ea typeface="+mn-ea"/>
+                              <a:cs typeface="+mn-cs"/>
+                            </a:rPr>
+                            <a:t>(Consider degradation)</a:t>
+                          </a:r>
+                          <a:endParaRPr kumimoji="0" lang="ko-KR" altLang="en-US" sz="1400" b="1" i="0" u="none" strike="noStrike" kern="1200" cap="none" spc="0" normalizeH="0" baseline="0" noProof="0" dirty="0">
+                            <a:ln>
+                              <a:noFill/>
+                            </a:ln>
+                            <a:solidFill>
+                              <a:prstClr val="white"/>
+                            </a:solidFill>
+                            <a:effectLst/>
+                            <a:uLnTx/>
+                            <a:uFillTx/>
+                            <a:latin typeface="+mn-lt"/>
+                            <a:ea typeface="+mn-ea"/>
+                            <a:cs typeface="+mn-cs"/>
+                          </a:endParaRPr>
+                        </a:p>
+                      </a:txBody>
+                      <a:tcPr/>
+                    </a:tc>
+                    <a:extLst>
+                      <a:ext uri="{0D108BD9-81ED-4DB2-BD59-A6C34878D82A}">
+                        <a16:rowId xmlns:a16="http://schemas.microsoft.com/office/drawing/2014/main" val="1506054158"/>
+                      </a:ext>
+                    </a:extLst>
+                  </a:tr>
+                  <a:tr h="382690">
+                    <a:tc>
+                      <a:txBody>
+                        <a:bodyPr/>
+                        <a:lstStyle/>
+                        <a:p>
+                          <a:pPr algn="ctr" latinLnBrk="1"/>
+                          <a:r>
+                            <a:rPr lang="en-US" altLang="ko-KR" sz="1600" b="1" i="0" dirty="0">
+                              <a:solidFill>
+                                <a:srgbClr val="767171"/>
+                              </a:solidFill>
+                            </a:rPr>
+                            <a:t>FC [g]</a:t>
+                          </a:r>
+                          <a:endParaRPr lang="ko-KR" altLang="en-US" sz="1600" b="1" i="0" dirty="0">
+                            <a:solidFill>
+                              <a:srgbClr val="767171"/>
+                            </a:solidFill>
+                          </a:endParaRPr>
+                        </a:p>
+                      </a:txBody>
+                      <a:tcPr anchor="ctr"/>
+                    </a:tc>
+                    <a:tc>
+                      <a:txBody>
+                        <a:bodyPr/>
+                        <a:lstStyle/>
+                        <a:p>
+                          <a:pPr algn="ctr" latinLnBrk="1"/>
+                          <a:r>
+                            <a:rPr lang="en-US" altLang="ko-KR" sz="1600" b="1" dirty="0">
+                              <a:solidFill>
+                                <a:srgbClr val="767171"/>
+                              </a:solidFill>
+                            </a:rPr>
+                            <a:t>107.1</a:t>
+                          </a:r>
+                        </a:p>
+                      </a:txBody>
+                      <a:tcPr anchor="ctr"/>
+                    </a:tc>
+                    <a:tc>
+                      <a:txBody>
+                        <a:bodyPr/>
+                        <a:lstStyle/>
+                        <a:p>
+                          <a:pPr algn="ctr" latinLnBrk="1"/>
+                          <a:r>
+                            <a:rPr lang="en-US" altLang="ko-KR" sz="1600" b="1" dirty="0">
+                              <a:solidFill>
+                                <a:srgbClr val="767171"/>
+                              </a:solidFill>
+                            </a:rPr>
+                            <a:t>119.1</a:t>
+                          </a:r>
+                        </a:p>
+                      </a:txBody>
+                      <a:tcPr anchor="ctr"/>
+                    </a:tc>
+                    <a:extLst>
+                      <a:ext uri="{0D108BD9-81ED-4DB2-BD59-A6C34878D82A}">
+                        <a16:rowId xmlns:a16="http://schemas.microsoft.com/office/drawing/2014/main" val="3431661599"/>
+                      </a:ext>
+                    </a:extLst>
+                  </a:tr>
+                  <a:tr h="382690">
+                    <a:tc>
+                      <a:txBody>
+                        <a:bodyPr/>
+                        <a:lstStyle/>
+                        <a:p>
+                          <a:pPr algn="ctr" latinLnBrk="1"/>
+                          <a:r>
+                            <a:rPr lang="en-US" altLang="ko-KR" sz="1600" b="1" i="0" dirty="0">
+                              <a:solidFill>
+                                <a:srgbClr val="767171"/>
+                              </a:solidFill>
+                            </a:rPr>
+                            <a:t>Degradation [</a:t>
+                          </a:r>
+                          <a14:m>
+                            <m:oMath xmlns:m="http://schemas.openxmlformats.org/officeDocument/2006/math">
+                              <m:r>
+                                <a:rPr lang="ko-KR" altLang="en-US" sz="1600" b="1" i="1" smtClean="0">
+                                  <a:solidFill>
+                                    <a:srgbClr val="767171"/>
+                                  </a:solidFill>
+                                  <a:latin typeface="Cambria Math" panose="02040503050406030204" pitchFamily="18" charset="0"/>
+                                  <a:ea typeface="Cambria Math" panose="02040503050406030204" pitchFamily="18" charset="0"/>
+                                </a:rPr>
+                                <m:t>𝝁</m:t>
+                              </m:r>
+                              <m:r>
+                                <a:rPr lang="en-US" altLang="ko-KR" sz="1600" b="1" i="1" smtClean="0">
+                                  <a:solidFill>
+                                    <a:srgbClr val="767171"/>
+                                  </a:solidFill>
+                                  <a:latin typeface="Cambria Math" panose="02040503050406030204" pitchFamily="18" charset="0"/>
+                                  <a:ea typeface="Cambria Math" panose="02040503050406030204" pitchFamily="18" charset="0"/>
+                                </a:rPr>
+                                <m:t>𝑽</m:t>
+                              </m:r>
+                            </m:oMath>
+                          </a14:m>
+                          <a:r>
+                            <a:rPr lang="en-US" altLang="ko-KR" sz="1600" b="1" i="0" dirty="0">
+                              <a:solidFill>
+                                <a:srgbClr val="767171"/>
+                              </a:solidFill>
+                            </a:rPr>
+                            <a:t>] </a:t>
+                          </a:r>
+                          <a:endParaRPr lang="ko-KR" altLang="en-US" sz="1600" b="1" i="0" dirty="0">
+                            <a:solidFill>
+                              <a:srgbClr val="767171"/>
+                            </a:solidFill>
+                          </a:endParaRPr>
+                        </a:p>
+                      </a:txBody>
+                      <a:tcPr anchor="ctr"/>
+                    </a:tc>
+                    <a:tc>
+                      <a:txBody>
+                        <a:bodyPr/>
+                        <a:lstStyle/>
+                        <a:p>
+                          <a:pPr algn="ctr" latinLnBrk="1"/>
+                          <a:r>
+                            <a:rPr lang="en-US" altLang="ko-KR" sz="1600" b="1" dirty="0">
+                              <a:solidFill>
+                                <a:srgbClr val="767171"/>
+                              </a:solidFill>
+                            </a:rPr>
+                            <a:t>550.9</a:t>
+                          </a:r>
+                        </a:p>
+                      </a:txBody>
+                      <a:tcPr anchor="ctr"/>
+                    </a:tc>
+                    <a:tc>
+                      <a:txBody>
+                        <a:bodyPr/>
+                        <a:lstStyle/>
+                        <a:p>
+                          <a:pPr algn="ctr" latinLnBrk="1"/>
+                          <a:r>
+                            <a:rPr lang="en-US" altLang="ko-KR" sz="1600" b="1" dirty="0">
+                              <a:solidFill>
+                                <a:srgbClr val="767171"/>
+                              </a:solidFill>
+                            </a:rPr>
+                            <a:t>252.5</a:t>
+                          </a:r>
+                        </a:p>
+                      </a:txBody>
+                      <a:tcPr anchor="ctr"/>
+                    </a:tc>
+                    <a:extLst>
+                      <a:ext uri="{0D108BD9-81ED-4DB2-BD59-A6C34878D82A}">
+                        <a16:rowId xmlns:a16="http://schemas.microsoft.com/office/drawing/2014/main" val="1659154260"/>
+                      </a:ext>
+                    </a:extLst>
+                  </a:tr>
+                  <a:tr h="424733">
+                    <a:tc>
+                      <a:txBody>
+                        <a:bodyPr/>
+                        <a:lstStyle/>
+                        <a:p>
+                          <a:pPr marL="0" marR="0" lvl="0" indent="0" algn="ctr" defTabSz="914377" rtl="0" eaLnBrk="1" fontAlgn="auto" latinLnBrk="1" hangingPunct="1">
+                            <a:lnSpc>
+                              <a:spcPct val="100000"/>
+                            </a:lnSpc>
+                            <a:spcBef>
+                              <a:spcPts val="0"/>
+                            </a:spcBef>
+                            <a:spcAft>
+                              <a:spcPts val="0"/>
+                            </a:spcAft>
+                            <a:buClrTx/>
+                            <a:buSzTx/>
+                            <a:buFontTx/>
+                            <a:buNone/>
+                            <a:tabLst/>
+                            <a:defRPr/>
+                          </a:pPr>
+                          <a:r>
+                            <a:rPr lang="en-US" altLang="ko-KR" sz="1600" b="1" i="0" dirty="0">
+                              <a:solidFill>
+                                <a:srgbClr val="767171"/>
+                              </a:solidFill>
+                            </a:rPr>
+                            <a:t>∆FC [%]</a:t>
+                          </a:r>
+                        </a:p>
+                      </a:txBody>
+                      <a:tcPr anchor="ctr"/>
+                    </a:tc>
+                    <a:tc>
+                      <a:txBody>
+                        <a:bodyPr/>
+                        <a:lstStyle/>
+                        <a:p>
+                          <a:pPr algn="ctr" latinLnBrk="1"/>
+                          <a:r>
+                            <a:rPr lang="en-US" altLang="ko-KR" sz="1600" b="1" dirty="0">
+                              <a:solidFill>
+                                <a:srgbClr val="767171"/>
+                              </a:solidFill>
+                            </a:rPr>
+                            <a:t>-</a:t>
+                          </a:r>
+                          <a:endParaRPr lang="ko-KR" altLang="en-US" sz="1600" b="1" dirty="0">
+                            <a:solidFill>
+                              <a:srgbClr val="767171"/>
+                            </a:solidFill>
+                          </a:endParaRPr>
+                        </a:p>
+                      </a:txBody>
+                      <a:tcPr anchor="ctr"/>
+                    </a:tc>
+                    <a:tc>
+                      <a:txBody>
+                        <a:bodyPr/>
+                        <a:lstStyle/>
+                        <a:p>
+                          <a:pPr marL="0" marR="0" lvl="0" indent="0" algn="ctr" defTabSz="2138324" rtl="0" eaLnBrk="1" fontAlgn="auto" latinLnBrk="1" hangingPunct="1">
+                            <a:lnSpc>
+                              <a:spcPct val="100000"/>
+                            </a:lnSpc>
+                            <a:spcBef>
+                              <a:spcPts val="0"/>
+                            </a:spcBef>
+                            <a:spcAft>
+                              <a:spcPts val="0"/>
+                            </a:spcAft>
+                            <a:buClrTx/>
+                            <a:buSzTx/>
+                            <a:buFontTx/>
+                            <a:buNone/>
+                            <a:tabLst/>
+                            <a:defRPr/>
+                          </a:pPr>
+                          <a:r>
+                            <a:rPr lang="en-US" altLang="ko-KR" sz="1600" b="1" dirty="0">
+                              <a:solidFill>
+                                <a:schemeClr val="accent2"/>
+                              </a:solidFill>
+                            </a:rPr>
+                            <a:t>11.2%</a:t>
+                          </a:r>
+                          <a:endParaRPr lang="ko-KR" altLang="en-US" sz="1600" b="1" dirty="0">
+                            <a:solidFill>
+                              <a:schemeClr val="accent2"/>
+                            </a:solidFill>
+                          </a:endParaRPr>
+                        </a:p>
+                      </a:txBody>
+                      <a:tcPr anchor="ctr"/>
+                    </a:tc>
+                    <a:extLst>
+                      <a:ext uri="{0D108BD9-81ED-4DB2-BD59-A6C34878D82A}">
+                        <a16:rowId xmlns:a16="http://schemas.microsoft.com/office/drawing/2014/main" val="2613242488"/>
+                      </a:ext>
+                    </a:extLst>
+                  </a:tr>
+                  <a:tr h="382690">
+                    <a:tc>
+                      <a:txBody>
+                        <a:bodyPr/>
+                        <a:lstStyle/>
+                        <a:p>
+                          <a:pPr algn="ctr" latinLnBrk="1"/>
+                          <a:r>
+                            <a:rPr lang="en-US" altLang="ko-KR" sz="1600" b="1" i="0" dirty="0">
+                              <a:solidFill>
+                                <a:srgbClr val="767171"/>
+                              </a:solidFill>
+                            </a:rPr>
+                            <a:t>∆Degradation [%]</a:t>
+                          </a:r>
+                        </a:p>
+                      </a:txBody>
+                      <a:tcPr anchor="ctr"/>
+                    </a:tc>
+                    <a:tc>
+                      <a:txBody>
+                        <a:bodyPr/>
+                        <a:lstStyle/>
+                        <a:p>
+                          <a:pPr algn="ctr" latinLnBrk="1"/>
+                          <a:r>
+                            <a:rPr lang="en-US" altLang="ko-KR" sz="1600" b="1" dirty="0">
+                              <a:solidFill>
+                                <a:srgbClr val="767171"/>
+                              </a:solidFill>
+                            </a:rPr>
+                            <a:t>-</a:t>
+                          </a:r>
+                          <a:endParaRPr lang="ko-KR" altLang="en-US" sz="1600" b="1" dirty="0">
+                            <a:solidFill>
+                              <a:srgbClr val="767171"/>
+                            </a:solidFill>
+                          </a:endParaRPr>
+                        </a:p>
+                      </a:txBody>
+                      <a:tcPr anchor="ctr"/>
+                    </a:tc>
+                    <a:tc>
+                      <a:txBody>
+                        <a:bodyPr/>
+                        <a:lstStyle/>
+                        <a:p>
+                          <a:pPr marL="0" marR="0" lvl="0" indent="0" algn="ctr" defTabSz="2138324" rtl="0" eaLnBrk="1" fontAlgn="auto" latinLnBrk="1" hangingPunct="1">
+                            <a:lnSpc>
+                              <a:spcPct val="100000"/>
+                            </a:lnSpc>
+                            <a:spcBef>
+                              <a:spcPts val="0"/>
+                            </a:spcBef>
+                            <a:spcAft>
+                              <a:spcPts val="0"/>
+                            </a:spcAft>
+                            <a:buClrTx/>
+                            <a:buSzTx/>
+                            <a:buFontTx/>
+                            <a:buNone/>
+                            <a:tabLst/>
+                            <a:defRPr/>
+                          </a:pPr>
+                          <a:r>
+                            <a:rPr lang="en-US" altLang="ko-KR" sz="1600" b="1" dirty="0">
+                              <a:solidFill>
+                                <a:schemeClr val="accent2"/>
+                              </a:solidFill>
+                            </a:rPr>
+                            <a:t>-54.2%</a:t>
+                          </a:r>
+                          <a:endParaRPr lang="ko-KR" altLang="en-US" sz="1600" b="1" dirty="0">
+                            <a:solidFill>
+                              <a:schemeClr val="accent2"/>
+                            </a:solidFill>
+                          </a:endParaRPr>
+                        </a:p>
+                      </a:txBody>
+                      <a:tcPr anchor="ctr"/>
+                    </a:tc>
+                    <a:extLst>
+                      <a:ext uri="{0D108BD9-81ED-4DB2-BD59-A6C34878D82A}">
+                        <a16:rowId xmlns:a16="http://schemas.microsoft.com/office/drawing/2014/main" val="287615037"/>
+                      </a:ext>
+                    </a:extLst>
+                  </a:tr>
+                </a:tbl>
+              </a:graphicData>
+            </a:graphic>
+          </p:graphicFrame>
+        </mc:Choice>
+        <mc:Fallback>
+          <p:graphicFrame>
+            <p:nvGraphicFramePr>
+              <p:cNvPr id="112" name="표 111">
+                <a:extLst>
+                  <a:ext uri="{FF2B5EF4-FFF2-40B4-BE49-F238E27FC236}">
+                    <a16:creationId xmlns:a16="http://schemas.microsoft.com/office/drawing/2014/main" id="{6E4AEF2E-0AFF-4924-82D8-DDA44F1E2756}"/>
+                  </a:ext>
+                </a:extLst>
+              </p:cNvPr>
+              <p:cNvGraphicFramePr>
+                <a:graphicFrameLocks noGrp="1"/>
+              </p:cNvGraphicFramePr>
+              <p:nvPr>
+                <p:extLst>
+                  <p:ext uri="{D42A27DB-BD31-4B8C-83A1-F6EECF244321}">
+                    <p14:modId xmlns:p14="http://schemas.microsoft.com/office/powerpoint/2010/main" val="31205993"/>
+                  </p:ext>
+                </p:extLst>
+              </p:nvPr>
+            </p:nvGraphicFramePr>
+            <p:xfrm>
+              <a:off x="17093944" y="27147335"/>
+              <a:ext cx="4005566" cy="2304323"/>
+            </p:xfrm>
+            <a:graphic>
+              <a:graphicData uri="http://schemas.openxmlformats.org/drawingml/2006/table">
+                <a:tbl>
+                  <a:tblPr firstRow="1" bandRow="1">
+                    <a:tableStyleId>{7DF18680-E054-41AD-8BC1-D1AEF772440D}</a:tableStyleId>
+                  </a:tblPr>
+                  <a:tblGrid>
+                    <a:gridCol w="1605948">
+                      <a:extLst>
+                        <a:ext uri="{9D8B030D-6E8A-4147-A177-3AD203B41FA5}">
+                          <a16:colId xmlns:a16="http://schemas.microsoft.com/office/drawing/2014/main" val="3726243108"/>
+                        </a:ext>
+                      </a:extLst>
+                    </a:gridCol>
+                    <a:gridCol w="1181100">
+                      <a:extLst>
+                        <a:ext uri="{9D8B030D-6E8A-4147-A177-3AD203B41FA5}">
+                          <a16:colId xmlns:a16="http://schemas.microsoft.com/office/drawing/2014/main" val="472462486"/>
+                        </a:ext>
+                      </a:extLst>
+                    </a:gridCol>
+                    <a:gridCol w="1218518">
+                      <a:extLst>
+                        <a:ext uri="{9D8B030D-6E8A-4147-A177-3AD203B41FA5}">
+                          <a16:colId xmlns:a16="http://schemas.microsoft.com/office/drawing/2014/main" val="4076666659"/>
+                        </a:ext>
+                      </a:extLst>
+                    </a:gridCol>
+                  </a:tblGrid>
+                  <a:tr h="731520">
+                    <a:tc>
+                      <a:txBody>
+                        <a:bodyPr/>
+                        <a:lstStyle/>
+                        <a:p>
+                          <a:pPr algn="ctr" latinLnBrk="1"/>
+                          <a:endParaRPr lang="ko-KR" altLang="en-US" sz="1400" dirty="0"/>
+                        </a:p>
+                      </a:txBody>
+                      <a:tcPr/>
+                    </a:tc>
+                    <a:tc>
+                      <a:txBody>
+                        <a:bodyPr/>
+                        <a:lstStyle/>
+                        <a:p>
+                          <a:pPr algn="ctr" latinLnBrk="1"/>
+                          <a:r>
+                            <a:rPr lang="en-US" altLang="ko-KR" sz="1400" dirty="0"/>
+                            <a:t>Agent 1 </a:t>
+                          </a:r>
+                        </a:p>
+                        <a:p>
+                          <a:pPr algn="ctr" latinLnBrk="1"/>
+                          <a:r>
+                            <a:rPr lang="en-US" altLang="ko-KR" sz="1400" dirty="0"/>
+                            <a:t>(Ignore degradation)</a:t>
+                          </a:r>
+                          <a:endParaRPr lang="ko-KR" altLang="en-US" sz="1400" dirty="0"/>
+                        </a:p>
+                      </a:txBody>
+                      <a:tcPr/>
+                    </a:tc>
+                    <a:tc>
+                      <a:txBody>
+                        <a:bodyPr/>
+                        <a:lstStyle/>
+                        <a:p>
+                          <a:pPr marL="0" marR="0" lvl="0" indent="0" algn="ctr" defTabSz="2138324" rtl="0" eaLnBrk="1" fontAlgn="auto" latinLnBrk="1" hangingPunct="1">
+                            <a:lnSpc>
+                              <a:spcPct val="100000"/>
+                            </a:lnSpc>
+                            <a:spcBef>
+                              <a:spcPts val="0"/>
+                            </a:spcBef>
+                            <a:spcAft>
+                              <a:spcPts val="0"/>
+                            </a:spcAft>
+                            <a:buClrTx/>
+                            <a:buSzTx/>
+                            <a:buFontTx/>
+                            <a:buNone/>
+                            <a:tabLst/>
+                            <a:defRPr/>
+                          </a:pPr>
+                          <a:r>
+                            <a:rPr kumimoji="0" lang="en-US" altLang="ko-KR" sz="1400" b="1" i="0" u="none" strike="noStrike" kern="1200" cap="none" spc="0" normalizeH="0" baseline="0" noProof="0" dirty="0">
+                              <a:ln>
+                                <a:noFill/>
+                              </a:ln>
+                              <a:solidFill>
+                                <a:prstClr val="white"/>
+                              </a:solidFill>
+                              <a:effectLst/>
+                              <a:uLnTx/>
+                              <a:uFillTx/>
+                              <a:latin typeface="+mn-lt"/>
+                              <a:ea typeface="+mn-ea"/>
+                              <a:cs typeface="+mn-cs"/>
+                            </a:rPr>
+                            <a:t>Agent 2 </a:t>
+                          </a:r>
+                        </a:p>
+                        <a:p>
+                          <a:pPr marL="0" marR="0" lvl="0" indent="0" algn="ctr" defTabSz="2138324" rtl="0" eaLnBrk="1" fontAlgn="auto" latinLnBrk="1" hangingPunct="1">
+                            <a:lnSpc>
+                              <a:spcPct val="100000"/>
+                            </a:lnSpc>
+                            <a:spcBef>
+                              <a:spcPts val="0"/>
+                            </a:spcBef>
+                            <a:spcAft>
+                              <a:spcPts val="0"/>
+                            </a:spcAft>
+                            <a:buClrTx/>
+                            <a:buSzTx/>
+                            <a:buFontTx/>
+                            <a:buNone/>
+                            <a:tabLst/>
+                            <a:defRPr/>
+                          </a:pPr>
+                          <a:r>
+                            <a:rPr kumimoji="0" lang="en-US" altLang="ko-KR" sz="1400" b="1" i="0" u="none" strike="noStrike" kern="1200" cap="none" spc="0" normalizeH="0" baseline="0" noProof="0" dirty="0">
+                              <a:ln>
+                                <a:noFill/>
+                              </a:ln>
+                              <a:solidFill>
+                                <a:prstClr val="white"/>
+                              </a:solidFill>
+                              <a:effectLst/>
+                              <a:uLnTx/>
+                              <a:uFillTx/>
+                              <a:latin typeface="+mn-lt"/>
+                              <a:ea typeface="+mn-ea"/>
+                              <a:cs typeface="+mn-cs"/>
+                            </a:rPr>
+                            <a:t>(Consider degradation)</a:t>
+                          </a:r>
+                          <a:endParaRPr kumimoji="0" lang="ko-KR" altLang="en-US" sz="1400" b="1" i="0" u="none" strike="noStrike" kern="1200" cap="none" spc="0" normalizeH="0" baseline="0" noProof="0" dirty="0">
+                            <a:ln>
+                              <a:noFill/>
+                            </a:ln>
+                            <a:solidFill>
+                              <a:prstClr val="white"/>
+                            </a:solidFill>
+                            <a:effectLst/>
+                            <a:uLnTx/>
+                            <a:uFillTx/>
+                            <a:latin typeface="+mn-lt"/>
+                            <a:ea typeface="+mn-ea"/>
+                            <a:cs typeface="+mn-cs"/>
+                          </a:endParaRPr>
+                        </a:p>
+                      </a:txBody>
+                      <a:tcPr/>
+                    </a:tc>
+                    <a:extLst>
+                      <a:ext uri="{0D108BD9-81ED-4DB2-BD59-A6C34878D82A}">
+                        <a16:rowId xmlns:a16="http://schemas.microsoft.com/office/drawing/2014/main" val="1506054158"/>
+                      </a:ext>
+                    </a:extLst>
+                  </a:tr>
+                  <a:tr h="382690">
+                    <a:tc>
+                      <a:txBody>
+                        <a:bodyPr/>
+                        <a:lstStyle/>
+                        <a:p>
+                          <a:pPr algn="ctr" latinLnBrk="1"/>
+                          <a:r>
+                            <a:rPr lang="en-US" altLang="ko-KR" sz="1600" b="1" i="0" dirty="0">
+                              <a:solidFill>
+                                <a:srgbClr val="767171"/>
+                              </a:solidFill>
+                            </a:rPr>
+                            <a:t>FC [g]</a:t>
+                          </a:r>
+                          <a:endParaRPr lang="ko-KR" altLang="en-US" sz="1600" b="1" i="0" dirty="0">
+                            <a:solidFill>
+                              <a:srgbClr val="767171"/>
+                            </a:solidFill>
+                          </a:endParaRPr>
+                        </a:p>
+                      </a:txBody>
+                      <a:tcPr anchor="ctr"/>
+                    </a:tc>
+                    <a:tc>
+                      <a:txBody>
+                        <a:bodyPr/>
+                        <a:lstStyle/>
+                        <a:p>
+                          <a:pPr algn="ctr" latinLnBrk="1"/>
+                          <a:r>
+                            <a:rPr lang="en-US" altLang="ko-KR" sz="1600" b="1" dirty="0">
+                              <a:solidFill>
+                                <a:srgbClr val="767171"/>
+                              </a:solidFill>
+                            </a:rPr>
+                            <a:t>107.1</a:t>
+                          </a:r>
+                        </a:p>
+                      </a:txBody>
+                      <a:tcPr anchor="ctr"/>
+                    </a:tc>
+                    <a:tc>
+                      <a:txBody>
+                        <a:bodyPr/>
+                        <a:lstStyle/>
+                        <a:p>
+                          <a:pPr algn="ctr" latinLnBrk="1"/>
+                          <a:r>
+                            <a:rPr lang="en-US" altLang="ko-KR" sz="1600" b="1" dirty="0">
+                              <a:solidFill>
+                                <a:srgbClr val="767171"/>
+                              </a:solidFill>
+                            </a:rPr>
+                            <a:t>119.1</a:t>
+                          </a:r>
+                        </a:p>
+                      </a:txBody>
+                      <a:tcPr anchor="ctr"/>
+                    </a:tc>
+                    <a:extLst>
+                      <a:ext uri="{0D108BD9-81ED-4DB2-BD59-A6C34878D82A}">
+                        <a16:rowId xmlns:a16="http://schemas.microsoft.com/office/drawing/2014/main" val="3431661599"/>
+                      </a:ext>
+                    </a:extLst>
+                  </a:tr>
+                  <a:tr h="382690">
+                    <a:tc>
+                      <a:txBody>
+                        <a:bodyPr/>
+                        <a:lstStyle/>
+                        <a:p>
+                          <a:endParaRPr lang="ko-KR"/>
+                        </a:p>
+                      </a:txBody>
+                      <a:tcPr anchor="ctr">
+                        <a:blipFill>
+                          <a:blip r:embed="rId7"/>
+                          <a:stretch>
+                            <a:fillRect l="-379" t="-292063" r="-150758" b="-223810"/>
+                          </a:stretch>
+                        </a:blipFill>
+                      </a:tcPr>
+                    </a:tc>
+                    <a:tc>
+                      <a:txBody>
+                        <a:bodyPr/>
+                        <a:lstStyle/>
+                        <a:p>
+                          <a:pPr algn="ctr" latinLnBrk="1"/>
+                          <a:r>
+                            <a:rPr lang="en-US" altLang="ko-KR" sz="1600" b="1" dirty="0">
+                              <a:solidFill>
+                                <a:srgbClr val="767171"/>
+                              </a:solidFill>
+                            </a:rPr>
+                            <a:t>550.9</a:t>
+                          </a:r>
+                        </a:p>
+                      </a:txBody>
+                      <a:tcPr anchor="ctr"/>
+                    </a:tc>
+                    <a:tc>
+                      <a:txBody>
+                        <a:bodyPr/>
+                        <a:lstStyle/>
+                        <a:p>
+                          <a:pPr algn="ctr" latinLnBrk="1"/>
+                          <a:r>
+                            <a:rPr lang="en-US" altLang="ko-KR" sz="1600" b="1" dirty="0">
+                              <a:solidFill>
+                                <a:srgbClr val="767171"/>
+                              </a:solidFill>
+                            </a:rPr>
+                            <a:t>252.5</a:t>
+                          </a:r>
+                        </a:p>
+                      </a:txBody>
+                      <a:tcPr anchor="ctr"/>
+                    </a:tc>
+                    <a:extLst>
+                      <a:ext uri="{0D108BD9-81ED-4DB2-BD59-A6C34878D82A}">
+                        <a16:rowId xmlns:a16="http://schemas.microsoft.com/office/drawing/2014/main" val="1659154260"/>
+                      </a:ext>
+                    </a:extLst>
+                  </a:tr>
+                  <a:tr h="424733">
+                    <a:tc>
+                      <a:txBody>
+                        <a:bodyPr/>
+                        <a:lstStyle/>
+                        <a:p>
+                          <a:pPr marL="0" marR="0" lvl="0" indent="0" algn="ctr" defTabSz="914377" rtl="0" eaLnBrk="1" fontAlgn="auto" latinLnBrk="1" hangingPunct="1">
+                            <a:lnSpc>
+                              <a:spcPct val="100000"/>
+                            </a:lnSpc>
+                            <a:spcBef>
+                              <a:spcPts val="0"/>
+                            </a:spcBef>
+                            <a:spcAft>
+                              <a:spcPts val="0"/>
+                            </a:spcAft>
+                            <a:buClrTx/>
+                            <a:buSzTx/>
+                            <a:buFontTx/>
+                            <a:buNone/>
+                            <a:tabLst/>
+                            <a:defRPr/>
+                          </a:pPr>
+                          <a:r>
+                            <a:rPr lang="en-US" altLang="ko-KR" sz="1600" b="1" i="0" dirty="0">
+                              <a:solidFill>
+                                <a:srgbClr val="767171"/>
+                              </a:solidFill>
+                            </a:rPr>
+                            <a:t>∆FC [%]</a:t>
+                          </a:r>
+                        </a:p>
+                      </a:txBody>
+                      <a:tcPr anchor="ctr"/>
+                    </a:tc>
+                    <a:tc>
+                      <a:txBody>
+                        <a:bodyPr/>
+                        <a:lstStyle/>
+                        <a:p>
+                          <a:pPr algn="ctr" latinLnBrk="1"/>
+                          <a:r>
+                            <a:rPr lang="en-US" altLang="ko-KR" sz="1600" b="1" dirty="0">
+                              <a:solidFill>
+                                <a:srgbClr val="767171"/>
+                              </a:solidFill>
+                            </a:rPr>
+                            <a:t>-</a:t>
+                          </a:r>
+                          <a:endParaRPr lang="ko-KR" altLang="en-US" sz="1600" b="1" dirty="0">
+                            <a:solidFill>
+                              <a:srgbClr val="767171"/>
+                            </a:solidFill>
+                          </a:endParaRPr>
+                        </a:p>
+                      </a:txBody>
+                      <a:tcPr anchor="ctr"/>
+                    </a:tc>
+                    <a:tc>
+                      <a:txBody>
+                        <a:bodyPr/>
+                        <a:lstStyle/>
+                        <a:p>
+                          <a:pPr marL="0" marR="0" lvl="0" indent="0" algn="ctr" defTabSz="2138324" rtl="0" eaLnBrk="1" fontAlgn="auto" latinLnBrk="1" hangingPunct="1">
+                            <a:lnSpc>
+                              <a:spcPct val="100000"/>
+                            </a:lnSpc>
+                            <a:spcBef>
+                              <a:spcPts val="0"/>
+                            </a:spcBef>
+                            <a:spcAft>
+                              <a:spcPts val="0"/>
+                            </a:spcAft>
+                            <a:buClrTx/>
+                            <a:buSzTx/>
+                            <a:buFontTx/>
+                            <a:buNone/>
+                            <a:tabLst/>
+                            <a:defRPr/>
+                          </a:pPr>
+                          <a:r>
+                            <a:rPr lang="en-US" altLang="ko-KR" sz="1600" b="1" dirty="0">
+                              <a:solidFill>
+                                <a:schemeClr val="accent2"/>
+                              </a:solidFill>
+                            </a:rPr>
+                            <a:t>11.2%</a:t>
+                          </a:r>
+                          <a:endParaRPr lang="ko-KR" altLang="en-US" sz="1600" b="1" dirty="0">
+                            <a:solidFill>
+                              <a:schemeClr val="accent2"/>
+                            </a:solidFill>
+                          </a:endParaRPr>
+                        </a:p>
+                      </a:txBody>
+                      <a:tcPr anchor="ctr"/>
+                    </a:tc>
+                    <a:extLst>
+                      <a:ext uri="{0D108BD9-81ED-4DB2-BD59-A6C34878D82A}">
+                        <a16:rowId xmlns:a16="http://schemas.microsoft.com/office/drawing/2014/main" val="2613242488"/>
+                      </a:ext>
+                    </a:extLst>
+                  </a:tr>
+                  <a:tr h="382690">
+                    <a:tc>
+                      <a:txBody>
+                        <a:bodyPr/>
+                        <a:lstStyle/>
+                        <a:p>
+                          <a:pPr algn="ctr" latinLnBrk="1"/>
+                          <a:r>
+                            <a:rPr lang="en-US" altLang="ko-KR" sz="1600" b="1" i="0" dirty="0">
+                              <a:solidFill>
+                                <a:srgbClr val="767171"/>
+                              </a:solidFill>
+                            </a:rPr>
+                            <a:t>∆Degradation [%]</a:t>
+                          </a:r>
+                        </a:p>
+                      </a:txBody>
+                      <a:tcPr anchor="ctr"/>
+                    </a:tc>
+                    <a:tc>
+                      <a:txBody>
+                        <a:bodyPr/>
+                        <a:lstStyle/>
+                        <a:p>
+                          <a:pPr algn="ctr" latinLnBrk="1"/>
+                          <a:r>
+                            <a:rPr lang="en-US" altLang="ko-KR" sz="1600" b="1" dirty="0">
+                              <a:solidFill>
+                                <a:srgbClr val="767171"/>
+                              </a:solidFill>
+                            </a:rPr>
+                            <a:t>-</a:t>
+                          </a:r>
+                          <a:endParaRPr lang="ko-KR" altLang="en-US" sz="1600" b="1" dirty="0">
+                            <a:solidFill>
+                              <a:srgbClr val="767171"/>
+                            </a:solidFill>
+                          </a:endParaRPr>
+                        </a:p>
+                      </a:txBody>
+                      <a:tcPr anchor="ctr"/>
+                    </a:tc>
+                    <a:tc>
+                      <a:txBody>
+                        <a:bodyPr/>
+                        <a:lstStyle/>
+                        <a:p>
+                          <a:pPr marL="0" marR="0" lvl="0" indent="0" algn="ctr" defTabSz="2138324" rtl="0" eaLnBrk="1" fontAlgn="auto" latinLnBrk="1" hangingPunct="1">
+                            <a:lnSpc>
+                              <a:spcPct val="100000"/>
+                            </a:lnSpc>
+                            <a:spcBef>
+                              <a:spcPts val="0"/>
+                            </a:spcBef>
+                            <a:spcAft>
+                              <a:spcPts val="0"/>
+                            </a:spcAft>
+                            <a:buClrTx/>
+                            <a:buSzTx/>
+                            <a:buFontTx/>
+                            <a:buNone/>
+                            <a:tabLst/>
+                            <a:defRPr/>
+                          </a:pPr>
+                          <a:r>
+                            <a:rPr lang="en-US" altLang="ko-KR" sz="1600" b="1" dirty="0">
+                              <a:solidFill>
+                                <a:schemeClr val="accent2"/>
+                              </a:solidFill>
+                            </a:rPr>
+                            <a:t>-54.2%</a:t>
+                          </a:r>
+                          <a:endParaRPr lang="ko-KR" altLang="en-US" sz="1600" b="1" dirty="0">
+                            <a:solidFill>
+                              <a:schemeClr val="accent2"/>
+                            </a:solidFill>
+                          </a:endParaRPr>
+                        </a:p>
+                      </a:txBody>
+                      <a:tcPr anchor="ctr"/>
+                    </a:tc>
+                    <a:extLst>
+                      <a:ext uri="{0D108BD9-81ED-4DB2-BD59-A6C34878D82A}">
+                        <a16:rowId xmlns:a16="http://schemas.microsoft.com/office/drawing/2014/main" val="287615037"/>
+                      </a:ext>
+                    </a:extLst>
+                  </a:tr>
+                </a:tbl>
+              </a:graphicData>
+            </a:graphic>
+          </p:graphicFrame>
+        </mc:Fallback>
+      </mc:AlternateContent>
+      <p:pic>
+        <p:nvPicPr>
+          <p:cNvPr id="14" name="그림 13">
+            <a:extLst>
+              <a:ext uri="{FF2B5EF4-FFF2-40B4-BE49-F238E27FC236}">
+                <a16:creationId xmlns:a16="http://schemas.microsoft.com/office/drawing/2014/main" id="{244C2C28-E9E8-46DA-93B6-FA36D3AF2036}"/>
+              </a:ext>
+            </a:extLst>
+          </p:cNvPr>
+          <p:cNvPicPr>
+            <a:picLocks noChangeAspect="1"/>
+          </p:cNvPicPr>
+          <p:nvPr/>
+        </p:nvPicPr>
+        <p:blipFill>
+          <a:blip r:embed="rId8"/>
+          <a:stretch>
+            <a:fillRect/>
+          </a:stretch>
+        </p:blipFill>
+        <p:spPr>
+          <a:xfrm>
+            <a:off x="14243685" y="8516487"/>
+            <a:ext cx="6481948" cy="2542167"/>
+          </a:xfrm>
+          <a:prstGeom prst="rect">
+            <a:avLst/>
+          </a:prstGeom>
+        </p:spPr>
+      </p:pic>
     </p:spTree>
     <p:extLst>
       <p:ext uri="{BB962C8B-B14F-4D97-AF65-F5344CB8AC3E}">
